--- a/Presentation.pptx
+++ b/Presentation.pptx
@@ -7,13 +7,12 @@
   <p:sldIdLst>
     <p:sldId id="256" r:id="rId2"/>
     <p:sldId id="257" r:id="rId3"/>
-    <p:sldId id="264" r:id="rId4"/>
-    <p:sldId id="258" r:id="rId5"/>
-    <p:sldId id="259" r:id="rId6"/>
-    <p:sldId id="260" r:id="rId7"/>
-    <p:sldId id="261" r:id="rId8"/>
-    <p:sldId id="262" r:id="rId9"/>
-    <p:sldId id="263" r:id="rId10"/>
+    <p:sldId id="258" r:id="rId4"/>
+    <p:sldId id="259" r:id="rId5"/>
+    <p:sldId id="260" r:id="rId6"/>
+    <p:sldId id="261" r:id="rId7"/>
+    <p:sldId id="262" r:id="rId8"/>
+    <p:sldId id="263" r:id="rId9"/>
   </p:sldIdLst>
   <p:sldSz cx="12192000" cy="6858000"/>
   <p:notesSz cx="6858000" cy="9144000"/>
@@ -112,6 +111,11 @@
       </a:defRPr>
     </a:lvl9pPr>
   </p:defaultTextStyle>
+  <p:extLst>
+    <p:ext uri="{EFAFB233-063F-42B5-8137-9DF3F51BA10A}">
+      <p15:sldGuideLst xmlns:p15="http://schemas.microsoft.com/office/powerpoint/2012/main"/>
+    </p:ext>
+  </p:extLst>
 </p:presentation>
 </file>
 
@@ -3841,15 +3845,80 @@
             <p:ph idx="1"/>
           </p:nvPr>
         </p:nvSpPr>
-        <p:spPr/>
-        <p:txBody>
-          <a:bodyPr/>
-          <a:lstStyle/>
-          <a:p>
+        <p:spPr>
+          <a:xfrm>
+            <a:off x="838200" y="1825625"/>
+            <a:ext cx="2698376" cy="4351338"/>
+          </a:xfrm>
+        </p:spPr>
+        <p:txBody>
+          <a:bodyPr/>
+          <a:lstStyle/>
+          <a:p>
+            <a:r>
+              <a:rPr lang="zh-TW" altLang="en-US" dirty="0"/>
+              <a:t>雙人連線</a:t>
+            </a:r>
+            <a:endParaRPr lang="en-US" altLang="zh-TW" dirty="0"/>
+          </a:p>
+          <a:p>
+            <a:pPr marL="0" indent="0">
+              <a:buNone/>
+            </a:pPr>
+            <a:endParaRPr lang="en-US" altLang="zh-TW" dirty="0"/>
+          </a:p>
+          <a:p>
+            <a:r>
+              <a:rPr lang="zh-TW" altLang="en-US" dirty="0"/>
+              <a:t>西洋棋</a:t>
+            </a:r>
+            <a:endParaRPr lang="en-US" altLang="zh-TW" dirty="0"/>
+          </a:p>
+          <a:p>
+            <a:pPr marL="0" indent="0">
+              <a:buNone/>
+            </a:pPr>
+            <a:endParaRPr lang="en-US" altLang="zh-TW" dirty="0"/>
+          </a:p>
+          <a:p>
+            <a:r>
+              <a:rPr lang="zh-TW" altLang="en-US" dirty="0"/>
+              <a:t>網頁遊戲</a:t>
+            </a:r>
             <a:endParaRPr lang="en-US" dirty="0"/>
           </a:p>
         </p:txBody>
       </p:sp>
+      <p:pic>
+        <p:nvPicPr>
+          <p:cNvPr id="4" name="Picture 3">
+            <a:extLst>
+              <a:ext uri="{FF2B5EF4-FFF2-40B4-BE49-F238E27FC236}">
+                <a16:creationId xmlns:a16="http://schemas.microsoft.com/office/drawing/2014/main" id="{028CE175-7D25-4488-B7CA-B27D5828750B}"/>
+              </a:ext>
+            </a:extLst>
+          </p:cNvPr>
+          <p:cNvPicPr>
+            <a:picLocks noChangeAspect="1"/>
+          </p:cNvPicPr>
+          <p:nvPr/>
+        </p:nvPicPr>
+        <p:blipFill>
+          <a:blip r:embed="rId2"/>
+          <a:stretch>
+            <a:fillRect/>
+          </a:stretch>
+        </p:blipFill>
+        <p:spPr>
+          <a:xfrm>
+            <a:off x="5318437" y="0"/>
+            <a:ext cx="6873563" cy="6858000"/>
+          </a:xfrm>
+          <a:prstGeom prst="rect">
+            <a:avLst/>
+          </a:prstGeom>
+        </p:spPr>
+      </p:pic>
     </p:spTree>
     <p:extLst>
       <p:ext uri="{BB962C8B-B14F-4D97-AF65-F5344CB8AC3E}">
@@ -3882,39 +3951,64 @@
       </p:grpSpPr>
       <p:sp>
         <p:nvSpPr>
-          <p:cNvPr id="2" name="Title 1">
-            <a:extLst>
-              <a:ext uri="{FF2B5EF4-FFF2-40B4-BE49-F238E27FC236}">
-                <a16:creationId xmlns:a16="http://schemas.microsoft.com/office/drawing/2014/main" id="{C1F966CE-0F99-40B8-8FAE-5E02B627A973}"/>
-              </a:ext>
-            </a:extLst>
-          </p:cNvPr>
-          <p:cNvSpPr>
-            <a:spLocks noGrp="1"/>
-          </p:cNvSpPr>
-          <p:nvPr>
-            <p:ph type="title"/>
-          </p:nvPr>
-        </p:nvSpPr>
-        <p:spPr/>
-        <p:txBody>
-          <a:bodyPr/>
-          <a:lstStyle/>
-          <a:p>
-            <a:r>
-              <a:rPr lang="zh-TW" altLang="en-US" b="1" dirty="0">
-                <a:solidFill>
-                  <a:schemeClr val="bg1"/>
-                </a:solidFill>
+          <p:cNvPr id="5" name="Rectangle 4">
+            <a:extLst>
+              <a:ext uri="{FF2B5EF4-FFF2-40B4-BE49-F238E27FC236}">
+                <a16:creationId xmlns:a16="http://schemas.microsoft.com/office/drawing/2014/main" id="{C1EE9EA8-EDC0-48F5-9110-B3084B92F3F0}"/>
+              </a:ext>
+            </a:extLst>
+          </p:cNvPr>
+          <p:cNvSpPr/>
+          <p:nvPr/>
+        </p:nvSpPr>
+        <p:spPr>
+          <a:xfrm>
+            <a:off x="1359277" y="2045445"/>
+            <a:ext cx="3478304" cy="877328"/>
+          </a:xfrm>
+          <a:prstGeom prst="rect">
+            <a:avLst/>
+          </a:prstGeom>
+          <a:solidFill>
+            <a:schemeClr val="accent6">
+              <a:lumMod val="75000"/>
+            </a:schemeClr>
+          </a:solidFill>
+          <a:ln>
+            <a:solidFill>
+              <a:schemeClr val="bg1"/>
+            </a:solidFill>
+          </a:ln>
+        </p:spPr>
+        <p:style>
+          <a:lnRef idx="2">
+            <a:schemeClr val="accent1">
+              <a:shade val="50000"/>
+            </a:schemeClr>
+          </a:lnRef>
+          <a:fillRef idx="1">
+            <a:schemeClr val="accent1"/>
+          </a:fillRef>
+          <a:effectRef idx="0">
+            <a:schemeClr val="accent1"/>
+          </a:effectRef>
+          <a:fontRef idx="minor">
+            <a:schemeClr val="lt1"/>
+          </a:fontRef>
+        </p:style>
+        <p:txBody>
+          <a:bodyPr rtlCol="0" anchor="ctr"/>
+          <a:lstStyle/>
+          <a:p>
+            <a:pPr algn="ctr"/>
+            <a:r>
+              <a:rPr lang="zh-TW" altLang="en-US" sz="2400" b="1" dirty="0">
                 <a:latin typeface="Microsoft JhengHei" panose="020B0604030504040204" pitchFamily="34" charset="-120"/>
                 <a:ea typeface="Microsoft JhengHei" panose="020B0604030504040204" pitchFamily="34" charset="-120"/>
               </a:rPr>
-              <a:t>遊戲介紹</a:t>
-            </a:r>
-            <a:endParaRPr lang="en-US" b="1" dirty="0">
-              <a:solidFill>
-                <a:schemeClr val="bg1"/>
-              </a:solidFill>
+              <a:t>接收玩家的滑鼠操作</a:t>
+            </a:r>
+            <a:endParaRPr lang="en-US" sz="2400" b="1" dirty="0">
               <a:latin typeface="Microsoft JhengHei" panose="020B0604030504040204" pitchFamily="34" charset="-120"/>
               <a:ea typeface="Microsoft JhengHei" panose="020B0604030504040204" pitchFamily="34" charset="-120"/>
             </a:endParaRPr>
@@ -3923,18 +4017,18 @@
       </p:sp>
       <p:sp>
         <p:nvSpPr>
-          <p:cNvPr id="3" name="Content Placeholder 2">
-            <a:extLst>
-              <a:ext uri="{FF2B5EF4-FFF2-40B4-BE49-F238E27FC236}">
-                <a16:creationId xmlns:a16="http://schemas.microsoft.com/office/drawing/2014/main" id="{C3548981-345C-4666-BE0E-3F0FE7F01AA0}"/>
-              </a:ext>
-            </a:extLst>
-          </p:cNvPr>
-          <p:cNvSpPr>
-            <a:spLocks noGrp="1"/>
-          </p:cNvSpPr>
-          <p:nvPr>
-            <p:ph idx="1"/>
+          <p:cNvPr id="2" name="Title 1">
+            <a:extLst>
+              <a:ext uri="{FF2B5EF4-FFF2-40B4-BE49-F238E27FC236}">
+                <a16:creationId xmlns:a16="http://schemas.microsoft.com/office/drawing/2014/main" id="{CA31C6F1-85AF-44C6-81A6-CBBDDEEF457F}"/>
+              </a:ext>
+            </a:extLst>
+          </p:cNvPr>
+          <p:cNvSpPr>
+            <a:spLocks noGrp="1"/>
+          </p:cNvSpPr>
+          <p:nvPr>
+            <p:ph type="title"/>
           </p:nvPr>
         </p:nvSpPr>
         <p:spPr/>
@@ -3942,14 +4036,150 @@
           <a:bodyPr/>
           <a:lstStyle/>
           <a:p>
+            <a:r>
+              <a:rPr lang="zh-TW" altLang="en-US" dirty="0"/>
+              <a:t>程式架構：前端</a:t>
+            </a:r>
             <a:endParaRPr lang="en-US" dirty="0"/>
+          </a:p>
+        </p:txBody>
+      </p:sp>
+      <p:sp>
+        <p:nvSpPr>
+          <p:cNvPr id="7" name="Rectangle 6">
+            <a:extLst>
+              <a:ext uri="{FF2B5EF4-FFF2-40B4-BE49-F238E27FC236}">
+                <a16:creationId xmlns:a16="http://schemas.microsoft.com/office/drawing/2014/main" id="{ED25644C-60E2-4D2F-A2AE-82D05E4DB48E}"/>
+              </a:ext>
+            </a:extLst>
+          </p:cNvPr>
+          <p:cNvSpPr/>
+          <p:nvPr/>
+        </p:nvSpPr>
+        <p:spPr>
+          <a:xfrm>
+            <a:off x="6789649" y="2045445"/>
+            <a:ext cx="3478304" cy="877328"/>
+          </a:xfrm>
+          <a:prstGeom prst="rect">
+            <a:avLst/>
+          </a:prstGeom>
+          <a:solidFill>
+            <a:schemeClr val="accent6">
+              <a:lumMod val="75000"/>
+            </a:schemeClr>
+          </a:solidFill>
+          <a:ln>
+            <a:solidFill>
+              <a:schemeClr val="bg1"/>
+            </a:solidFill>
+          </a:ln>
+        </p:spPr>
+        <p:style>
+          <a:lnRef idx="2">
+            <a:schemeClr val="accent1">
+              <a:shade val="50000"/>
+            </a:schemeClr>
+          </a:lnRef>
+          <a:fillRef idx="1">
+            <a:schemeClr val="accent1"/>
+          </a:fillRef>
+          <a:effectRef idx="0">
+            <a:schemeClr val="accent1"/>
+          </a:effectRef>
+          <a:fontRef idx="minor">
+            <a:schemeClr val="lt1"/>
+          </a:fontRef>
+        </p:style>
+        <p:txBody>
+          <a:bodyPr rtlCol="0" anchor="ctr"/>
+          <a:lstStyle/>
+          <a:p>
+            <a:pPr algn="ctr"/>
+            <a:r>
+              <a:rPr lang="zh-TW" altLang="en-US" sz="2400" b="1" dirty="0">
+                <a:latin typeface="Microsoft JhengHei" panose="020B0604030504040204" pitchFamily="34" charset="-120"/>
+                <a:ea typeface="Microsoft JhengHei" panose="020B0604030504040204" pitchFamily="34" charset="-120"/>
+              </a:rPr>
+              <a:t>渲染棋盤</a:t>
+            </a:r>
+            <a:endParaRPr lang="en-US" sz="2400" b="1" dirty="0">
+              <a:latin typeface="Microsoft JhengHei" panose="020B0604030504040204" pitchFamily="34" charset="-120"/>
+              <a:ea typeface="Microsoft JhengHei" panose="020B0604030504040204" pitchFamily="34" charset="-120"/>
+            </a:endParaRPr>
+          </a:p>
+        </p:txBody>
+      </p:sp>
+      <p:sp>
+        <p:nvSpPr>
+          <p:cNvPr id="10" name="Rectangle 9">
+            <a:extLst>
+              <a:ext uri="{FF2B5EF4-FFF2-40B4-BE49-F238E27FC236}">
+                <a16:creationId xmlns:a16="http://schemas.microsoft.com/office/drawing/2014/main" id="{7998CA0E-D6C4-461C-9568-9E07A538896D}"/>
+              </a:ext>
+            </a:extLst>
+          </p:cNvPr>
+          <p:cNvSpPr/>
+          <p:nvPr/>
+        </p:nvSpPr>
+        <p:spPr>
+          <a:xfrm>
+            <a:off x="1359277" y="3835583"/>
+            <a:ext cx="3478304" cy="877328"/>
+          </a:xfrm>
+          <a:prstGeom prst="rect">
+            <a:avLst/>
+          </a:prstGeom>
+          <a:solidFill>
+            <a:schemeClr val="accent6">
+              <a:lumMod val="75000"/>
+            </a:schemeClr>
+          </a:solidFill>
+          <a:ln>
+            <a:solidFill>
+              <a:schemeClr val="bg1"/>
+            </a:solidFill>
+          </a:ln>
+        </p:spPr>
+        <p:style>
+          <a:lnRef idx="2">
+            <a:schemeClr val="accent1">
+              <a:shade val="50000"/>
+            </a:schemeClr>
+          </a:lnRef>
+          <a:fillRef idx="1">
+            <a:schemeClr val="accent1"/>
+          </a:fillRef>
+          <a:effectRef idx="0">
+            <a:schemeClr val="accent1"/>
+          </a:effectRef>
+          <a:fontRef idx="minor">
+            <a:schemeClr val="lt1"/>
+          </a:fontRef>
+        </p:style>
+        <p:txBody>
+          <a:bodyPr rtlCol="0" anchor="ctr"/>
+          <a:lstStyle/>
+          <a:p>
+            <a:pPr algn="ctr"/>
+            <a:r>
+              <a:rPr lang="zh-TW" altLang="en-US" sz="2400" b="1" dirty="0">
+                <a:latin typeface="Microsoft JhengHei" panose="020B0604030504040204" pitchFamily="34" charset="-120"/>
+                <a:ea typeface="Microsoft JhengHei" panose="020B0604030504040204" pitchFamily="34" charset="-120"/>
+              </a:rPr>
+              <a:t>發送指令</a:t>
+            </a:r>
+            <a:endParaRPr lang="en-US" sz="2400" b="1" dirty="0">
+              <a:latin typeface="Microsoft JhengHei" panose="020B0604030504040204" pitchFamily="34" charset="-120"/>
+              <a:ea typeface="Microsoft JhengHei" panose="020B0604030504040204" pitchFamily="34" charset="-120"/>
+            </a:endParaRPr>
           </a:p>
         </p:txBody>
       </p:sp>
     </p:spTree>
     <p:extLst>
       <p:ext uri="{BB962C8B-B14F-4D97-AF65-F5344CB8AC3E}">
-        <p14:creationId xmlns:p14="http://schemas.microsoft.com/office/powerpoint/2010/main" val="700583306"/>
+        <p14:creationId xmlns:p14="http://schemas.microsoft.com/office/powerpoint/2010/main" val="3903334862"/>
       </p:ext>
     </p:extLst>
   </p:cSld>
@@ -3999,7 +4229,7 @@
           <a:p>
             <a:r>
               <a:rPr lang="zh-TW" altLang="en-US" dirty="0"/>
-              <a:t>程式架構：前端 </a:t>
+              <a:t>程式架構：後端</a:t>
             </a:r>
             <a:endParaRPr lang="en-US" dirty="0"/>
           </a:p>
@@ -4007,33 +4237,206 @@
       </p:sp>
       <p:sp>
         <p:nvSpPr>
-          <p:cNvPr id="3" name="Content Placeholder 2">
-            <a:extLst>
-              <a:ext uri="{FF2B5EF4-FFF2-40B4-BE49-F238E27FC236}">
-                <a16:creationId xmlns:a16="http://schemas.microsoft.com/office/drawing/2014/main" id="{615E72D0-07A9-4D88-883B-BC26A47B6DD4}"/>
-              </a:ext>
-            </a:extLst>
-          </p:cNvPr>
-          <p:cNvSpPr>
-            <a:spLocks noGrp="1"/>
-          </p:cNvSpPr>
-          <p:nvPr>
-            <p:ph idx="1"/>
-          </p:nvPr>
-        </p:nvSpPr>
-        <p:spPr/>
-        <p:txBody>
-          <a:bodyPr/>
-          <a:lstStyle/>
-          <a:p>
-            <a:endParaRPr lang="en-US"/>
+          <p:cNvPr id="4" name="Rectangle 3">
+            <a:extLst>
+              <a:ext uri="{FF2B5EF4-FFF2-40B4-BE49-F238E27FC236}">
+                <a16:creationId xmlns:a16="http://schemas.microsoft.com/office/drawing/2014/main" id="{0F494B65-83E0-4645-8271-DB4F5A1D73C2}"/>
+              </a:ext>
+            </a:extLst>
+          </p:cNvPr>
+          <p:cNvSpPr/>
+          <p:nvPr/>
+        </p:nvSpPr>
+        <p:spPr>
+          <a:xfrm>
+            <a:off x="1261782" y="2146298"/>
+            <a:ext cx="2268071" cy="877328"/>
+          </a:xfrm>
+          <a:prstGeom prst="rect">
+            <a:avLst/>
+          </a:prstGeom>
+          <a:solidFill>
+            <a:schemeClr val="accent6">
+              <a:lumMod val="75000"/>
+            </a:schemeClr>
+          </a:solidFill>
+          <a:ln>
+            <a:solidFill>
+              <a:schemeClr val="bg1"/>
+            </a:solidFill>
+          </a:ln>
+        </p:spPr>
+        <p:style>
+          <a:lnRef idx="2">
+            <a:schemeClr val="accent1">
+              <a:shade val="50000"/>
+            </a:schemeClr>
+          </a:lnRef>
+          <a:fillRef idx="1">
+            <a:schemeClr val="accent1"/>
+          </a:fillRef>
+          <a:effectRef idx="0">
+            <a:schemeClr val="accent1"/>
+          </a:effectRef>
+          <a:fontRef idx="minor">
+            <a:schemeClr val="lt1"/>
+          </a:fontRef>
+        </p:style>
+        <p:txBody>
+          <a:bodyPr rtlCol="0" anchor="ctr"/>
+          <a:lstStyle/>
+          <a:p>
+            <a:pPr algn="ctr"/>
+            <a:r>
+              <a:rPr lang="zh-TW" altLang="en-US" sz="2400" b="1" dirty="0">
+                <a:latin typeface="Microsoft JhengHei" panose="020B0604030504040204" pitchFamily="34" charset="-120"/>
+                <a:ea typeface="Microsoft JhengHei" panose="020B0604030504040204" pitchFamily="34" charset="-120"/>
+              </a:rPr>
+              <a:t>預覽</a:t>
+            </a:r>
+            <a:endParaRPr lang="en-US" sz="2400" b="1" dirty="0">
+              <a:latin typeface="Microsoft JhengHei" panose="020B0604030504040204" pitchFamily="34" charset="-120"/>
+              <a:ea typeface="Microsoft JhengHei" panose="020B0604030504040204" pitchFamily="34" charset="-120"/>
+            </a:endParaRPr>
+          </a:p>
+        </p:txBody>
+      </p:sp>
+      <p:sp>
+        <p:nvSpPr>
+          <p:cNvPr id="5" name="Rectangle 4">
+            <a:extLst>
+              <a:ext uri="{FF2B5EF4-FFF2-40B4-BE49-F238E27FC236}">
+                <a16:creationId xmlns:a16="http://schemas.microsoft.com/office/drawing/2014/main" id="{88270277-E714-409F-9841-2C0EDA46621E}"/>
+              </a:ext>
+            </a:extLst>
+          </p:cNvPr>
+          <p:cNvSpPr/>
+          <p:nvPr/>
+        </p:nvSpPr>
+        <p:spPr>
+          <a:xfrm>
+            <a:off x="3935504" y="2146298"/>
+            <a:ext cx="3478304" cy="877328"/>
+          </a:xfrm>
+          <a:prstGeom prst="rect">
+            <a:avLst/>
+          </a:prstGeom>
+          <a:solidFill>
+            <a:schemeClr val="accent6">
+              <a:lumMod val="75000"/>
+            </a:schemeClr>
+          </a:solidFill>
+          <a:ln>
+            <a:solidFill>
+              <a:schemeClr val="bg1"/>
+            </a:solidFill>
+          </a:ln>
+        </p:spPr>
+        <p:style>
+          <a:lnRef idx="2">
+            <a:schemeClr val="accent1">
+              <a:shade val="50000"/>
+            </a:schemeClr>
+          </a:lnRef>
+          <a:fillRef idx="1">
+            <a:schemeClr val="accent1"/>
+          </a:fillRef>
+          <a:effectRef idx="0">
+            <a:schemeClr val="accent1"/>
+          </a:effectRef>
+          <a:fontRef idx="minor">
+            <a:schemeClr val="lt1"/>
+          </a:fontRef>
+        </p:style>
+        <p:txBody>
+          <a:bodyPr rtlCol="0" anchor="ctr"/>
+          <a:lstStyle/>
+          <a:p>
+            <a:pPr algn="ctr"/>
+            <a:r>
+              <a:rPr lang="zh-TW" altLang="en-US" sz="2400" b="1" dirty="0">
+                <a:latin typeface="Microsoft JhengHei" panose="020B0604030504040204" pitchFamily="34" charset="-120"/>
+                <a:ea typeface="Microsoft JhengHei" panose="020B0604030504040204" pitchFamily="34" charset="-120"/>
+              </a:rPr>
+              <a:t>取消預覽</a:t>
+            </a:r>
+            <a:endParaRPr lang="en-US" sz="2400" b="1" dirty="0">
+              <a:latin typeface="Microsoft JhengHei" panose="020B0604030504040204" pitchFamily="34" charset="-120"/>
+              <a:ea typeface="Microsoft JhengHei" panose="020B0604030504040204" pitchFamily="34" charset="-120"/>
+            </a:endParaRPr>
+          </a:p>
+        </p:txBody>
+      </p:sp>
+      <p:sp>
+        <p:nvSpPr>
+          <p:cNvPr id="6" name="Rectangle 5">
+            <a:extLst>
+              <a:ext uri="{FF2B5EF4-FFF2-40B4-BE49-F238E27FC236}">
+                <a16:creationId xmlns:a16="http://schemas.microsoft.com/office/drawing/2014/main" id="{B9D474A4-D70E-468B-97F3-58F75AEC5B42}"/>
+              </a:ext>
+            </a:extLst>
+          </p:cNvPr>
+          <p:cNvSpPr/>
+          <p:nvPr/>
+        </p:nvSpPr>
+        <p:spPr>
+          <a:xfrm>
+            <a:off x="7819459" y="2146298"/>
+            <a:ext cx="2222124" cy="877328"/>
+          </a:xfrm>
+          <a:prstGeom prst="rect">
+            <a:avLst/>
+          </a:prstGeom>
+          <a:solidFill>
+            <a:schemeClr val="accent6">
+              <a:lumMod val="75000"/>
+            </a:schemeClr>
+          </a:solidFill>
+          <a:ln>
+            <a:solidFill>
+              <a:schemeClr val="bg1"/>
+            </a:solidFill>
+          </a:ln>
+        </p:spPr>
+        <p:style>
+          <a:lnRef idx="2">
+            <a:schemeClr val="accent1">
+              <a:shade val="50000"/>
+            </a:schemeClr>
+          </a:lnRef>
+          <a:fillRef idx="1">
+            <a:schemeClr val="accent1"/>
+          </a:fillRef>
+          <a:effectRef idx="0">
+            <a:schemeClr val="accent1"/>
+          </a:effectRef>
+          <a:fontRef idx="minor">
+            <a:schemeClr val="lt1"/>
+          </a:fontRef>
+        </p:style>
+        <p:txBody>
+          <a:bodyPr rtlCol="0" anchor="ctr"/>
+          <a:lstStyle/>
+          <a:p>
+            <a:pPr algn="ctr"/>
+            <a:r>
+              <a:rPr lang="zh-TW" altLang="en-US" sz="2400" b="1" dirty="0">
+                <a:latin typeface="Microsoft JhengHei" panose="020B0604030504040204" pitchFamily="34" charset="-120"/>
+                <a:ea typeface="Microsoft JhengHei" panose="020B0604030504040204" pitchFamily="34" charset="-120"/>
+              </a:rPr>
+              <a:t>移動</a:t>
+            </a:r>
+            <a:endParaRPr lang="en-US" sz="2400" b="1" dirty="0">
+              <a:latin typeface="Microsoft JhengHei" panose="020B0604030504040204" pitchFamily="34" charset="-120"/>
+              <a:ea typeface="Microsoft JhengHei" panose="020B0604030504040204" pitchFamily="34" charset="-120"/>
+            </a:endParaRPr>
           </a:p>
         </p:txBody>
       </p:sp>
     </p:spTree>
     <p:extLst>
       <p:ext uri="{BB962C8B-B14F-4D97-AF65-F5344CB8AC3E}">
-        <p14:creationId xmlns:p14="http://schemas.microsoft.com/office/powerpoint/2010/main" val="3903334862"/>
+        <p14:creationId xmlns:p14="http://schemas.microsoft.com/office/powerpoint/2010/main" val="1551553717"/>
       </p:ext>
     </p:extLst>
   </p:cSld>
@@ -4083,7 +4486,7 @@
           <a:p>
             <a:r>
               <a:rPr lang="zh-TW" altLang="en-US" dirty="0"/>
-              <a:t>程式架構：後端</a:t>
+              <a:t>程式架構：連線</a:t>
             </a:r>
             <a:endParaRPr lang="en-US" dirty="0"/>
           </a:p>
@@ -4110,14 +4513,22 @@
           <a:bodyPr/>
           <a:lstStyle/>
           <a:p>
-            <a:endParaRPr lang="en-US"/>
+            <a:r>
+              <a:rPr lang="en-US" dirty="0"/>
+              <a:t>// </a:t>
+            </a:r>
+            <a:r>
+              <a:rPr lang="zh-TW" altLang="en-US" dirty="0"/>
+              <a:t>阿力寫</a:t>
+            </a:r>
+            <a:endParaRPr lang="en-US" dirty="0"/>
           </a:p>
         </p:txBody>
       </p:sp>
     </p:spTree>
     <p:extLst>
       <p:ext uri="{BB962C8B-B14F-4D97-AF65-F5344CB8AC3E}">
-        <p14:creationId xmlns:p14="http://schemas.microsoft.com/office/powerpoint/2010/main" val="1551553717"/>
+        <p14:creationId xmlns:p14="http://schemas.microsoft.com/office/powerpoint/2010/main" val="568657393"/>
       </p:ext>
     </p:extLst>
   </p:cSld>
@@ -4166,42 +4577,17 @@
           <a:lstStyle/>
           <a:p>
             <a:r>
-              <a:rPr lang="zh-TW" altLang="en-US" dirty="0"/>
-              <a:t>程式架構：連線</a:t>
+              <a:rPr lang="en-US" altLang="zh-TW" dirty="0"/>
+              <a:t>Demo</a:t>
             </a:r>
             <a:endParaRPr lang="en-US" dirty="0"/>
-          </a:p>
-        </p:txBody>
-      </p:sp>
-      <p:sp>
-        <p:nvSpPr>
-          <p:cNvPr id="3" name="Content Placeholder 2">
-            <a:extLst>
-              <a:ext uri="{FF2B5EF4-FFF2-40B4-BE49-F238E27FC236}">
-                <a16:creationId xmlns:a16="http://schemas.microsoft.com/office/drawing/2014/main" id="{615E72D0-07A9-4D88-883B-BC26A47B6DD4}"/>
-              </a:ext>
-            </a:extLst>
-          </p:cNvPr>
-          <p:cNvSpPr>
-            <a:spLocks noGrp="1"/>
-          </p:cNvSpPr>
-          <p:nvPr>
-            <p:ph idx="1"/>
-          </p:nvPr>
-        </p:nvSpPr>
-        <p:spPr/>
-        <p:txBody>
-          <a:bodyPr/>
-          <a:lstStyle/>
-          <a:p>
-            <a:endParaRPr lang="en-US"/>
           </a:p>
         </p:txBody>
       </p:sp>
     </p:spTree>
     <p:extLst>
       <p:ext uri="{BB962C8B-B14F-4D97-AF65-F5344CB8AC3E}">
-        <p14:creationId xmlns:p14="http://schemas.microsoft.com/office/powerpoint/2010/main" val="568657393"/>
+        <p14:creationId xmlns:p14="http://schemas.microsoft.com/office/powerpoint/2010/main" val="3341693864"/>
       </p:ext>
     </p:extLst>
   </p:cSld>
@@ -4250,90 +4636,6 @@
           <a:lstStyle/>
           <a:p>
             <a:r>
-              <a:rPr lang="en-US" altLang="zh-TW" dirty="0"/>
-              <a:t>Demo</a:t>
-            </a:r>
-            <a:endParaRPr lang="en-US" dirty="0"/>
-          </a:p>
-        </p:txBody>
-      </p:sp>
-      <p:sp>
-        <p:nvSpPr>
-          <p:cNvPr id="3" name="Content Placeholder 2">
-            <a:extLst>
-              <a:ext uri="{FF2B5EF4-FFF2-40B4-BE49-F238E27FC236}">
-                <a16:creationId xmlns:a16="http://schemas.microsoft.com/office/drawing/2014/main" id="{615E72D0-07A9-4D88-883B-BC26A47B6DD4}"/>
-              </a:ext>
-            </a:extLst>
-          </p:cNvPr>
-          <p:cNvSpPr>
-            <a:spLocks noGrp="1"/>
-          </p:cNvSpPr>
-          <p:nvPr>
-            <p:ph idx="1"/>
-          </p:nvPr>
-        </p:nvSpPr>
-        <p:spPr/>
-        <p:txBody>
-          <a:bodyPr/>
-          <a:lstStyle/>
-          <a:p>
-            <a:endParaRPr lang="en-US"/>
-          </a:p>
-        </p:txBody>
-      </p:sp>
-    </p:spTree>
-    <p:extLst>
-      <p:ext uri="{BB962C8B-B14F-4D97-AF65-F5344CB8AC3E}">
-        <p14:creationId xmlns:p14="http://schemas.microsoft.com/office/powerpoint/2010/main" val="3341693864"/>
-      </p:ext>
-    </p:extLst>
-  </p:cSld>
-  <p:clrMapOvr>
-    <a:masterClrMapping/>
-  </p:clrMapOvr>
-</p:sld>
-</file>
-
-<file path=ppt/slides/slide8.xml><?xml version="1.0" encoding="utf-8"?>
-<p:sld xmlns:a="http://schemas.openxmlformats.org/drawingml/2006/main" xmlns:r="http://schemas.openxmlformats.org/officeDocument/2006/relationships" xmlns:p="http://schemas.openxmlformats.org/presentationml/2006/main">
-  <p:cSld>
-    <p:spTree>
-      <p:nvGrpSpPr>
-        <p:cNvPr id="1" name=""/>
-        <p:cNvGrpSpPr/>
-        <p:nvPr/>
-      </p:nvGrpSpPr>
-      <p:grpSpPr>
-        <a:xfrm>
-          <a:off x="0" y="0"/>
-          <a:ext cx="0" cy="0"/>
-          <a:chOff x="0" y="0"/>
-          <a:chExt cx="0" cy="0"/>
-        </a:xfrm>
-      </p:grpSpPr>
-      <p:sp>
-        <p:nvSpPr>
-          <p:cNvPr id="2" name="Title 1">
-            <a:extLst>
-              <a:ext uri="{FF2B5EF4-FFF2-40B4-BE49-F238E27FC236}">
-                <a16:creationId xmlns:a16="http://schemas.microsoft.com/office/drawing/2014/main" id="{CA31C6F1-85AF-44C6-81A6-CBBDDEEF457F}"/>
-              </a:ext>
-            </a:extLst>
-          </p:cNvPr>
-          <p:cNvSpPr>
-            <a:spLocks noGrp="1"/>
-          </p:cNvSpPr>
-          <p:nvPr>
-            <p:ph type="title"/>
-          </p:nvPr>
-        </p:nvSpPr>
-        <p:spPr/>
-        <p:txBody>
-          <a:bodyPr/>
-          <a:lstStyle/>
-          <a:p>
-            <a:r>
               <a:rPr lang="zh-TW" altLang="en-US" dirty="0"/>
               <a:t>未來改進方向</a:t>
             </a:r>
@@ -4379,7 +4681,7 @@
 </p:sld>
 </file>
 
-<file path=ppt/slides/slide9.xml><?xml version="1.0" encoding="utf-8"?>
+<file path=ppt/slides/slide8.xml><?xml version="1.0" encoding="utf-8"?>
 <p:sld xmlns:a="http://schemas.openxmlformats.org/drawingml/2006/main" xmlns:r="http://schemas.openxmlformats.org/officeDocument/2006/relationships" xmlns:p="http://schemas.openxmlformats.org/presentationml/2006/main">
   <p:cSld>
     <p:spTree>

--- a/Presentation.pptx
+++ b/Presentation.pptx
@@ -4,6 +4,9 @@
   <p:sldMasterIdLst>
     <p:sldMasterId id="2147483648" r:id="rId1"/>
   </p:sldMasterIdLst>
+  <p:notesMasterIdLst>
+    <p:notesMasterId r:id="rId10"/>
+  </p:notesMasterIdLst>
   <p:sldIdLst>
     <p:sldId id="256" r:id="rId2"/>
     <p:sldId id="257" r:id="rId3"/>
@@ -117,6 +120,523 @@
     </p:ext>
   </p:extLst>
 </p:presentation>
+</file>
+
+<file path=ppt/notesMasters/notesMaster1.xml><?xml version="1.0" encoding="utf-8"?>
+<p:notesMaster xmlns:a="http://schemas.openxmlformats.org/drawingml/2006/main" xmlns:r="http://schemas.openxmlformats.org/officeDocument/2006/relationships" xmlns:p="http://schemas.openxmlformats.org/presentationml/2006/main">
+  <p:cSld>
+    <p:bg>
+      <p:bgRef idx="1001">
+        <a:schemeClr val="bg1"/>
+      </p:bgRef>
+    </p:bg>
+    <p:spTree>
+      <p:nvGrpSpPr>
+        <p:cNvPr id="1" name=""/>
+        <p:cNvGrpSpPr/>
+        <p:nvPr/>
+      </p:nvGrpSpPr>
+      <p:grpSpPr>
+        <a:xfrm>
+          <a:off x="0" y="0"/>
+          <a:ext cx="0" cy="0"/>
+          <a:chOff x="0" y="0"/>
+          <a:chExt cx="0" cy="0"/>
+        </a:xfrm>
+      </p:grpSpPr>
+      <p:sp>
+        <p:nvSpPr>
+          <p:cNvPr id="2" name="Header Placeholder 1"/>
+          <p:cNvSpPr>
+            <a:spLocks noGrp="1"/>
+          </p:cNvSpPr>
+          <p:nvPr>
+            <p:ph type="hdr" sz="quarter"/>
+          </p:nvPr>
+        </p:nvSpPr>
+        <p:spPr>
+          <a:xfrm>
+            <a:off x="0" y="0"/>
+            <a:ext cx="2971800" cy="458788"/>
+          </a:xfrm>
+          <a:prstGeom prst="rect">
+            <a:avLst/>
+          </a:prstGeom>
+        </p:spPr>
+        <p:txBody>
+          <a:bodyPr vert="horz" lIns="91440" tIns="45720" rIns="91440" bIns="45720" rtlCol="0"/>
+          <a:lstStyle>
+            <a:lvl1pPr algn="l">
+              <a:defRPr sz="1200"/>
+            </a:lvl1pPr>
+          </a:lstStyle>
+          <a:p>
+            <a:endParaRPr lang="en-US"/>
+          </a:p>
+        </p:txBody>
+      </p:sp>
+      <p:sp>
+        <p:nvSpPr>
+          <p:cNvPr id="3" name="Date Placeholder 2"/>
+          <p:cNvSpPr>
+            <a:spLocks noGrp="1"/>
+          </p:cNvSpPr>
+          <p:nvPr>
+            <p:ph type="dt" idx="1"/>
+          </p:nvPr>
+        </p:nvSpPr>
+        <p:spPr>
+          <a:xfrm>
+            <a:off x="3884613" y="0"/>
+            <a:ext cx="2971800" cy="458788"/>
+          </a:xfrm>
+          <a:prstGeom prst="rect">
+            <a:avLst/>
+          </a:prstGeom>
+        </p:spPr>
+        <p:txBody>
+          <a:bodyPr vert="horz" lIns="91440" tIns="45720" rIns="91440" bIns="45720" rtlCol="0"/>
+          <a:lstStyle>
+            <a:lvl1pPr algn="r">
+              <a:defRPr sz="1200"/>
+            </a:lvl1pPr>
+          </a:lstStyle>
+          <a:p>
+            <a:fld id="{DF10A5C2-83BB-4601-8E25-1B85F5D624A7}" type="datetimeFigureOut">
+              <a:rPr lang="en-US" smtClean="0"/>
+              <a:t>12/20/2022</a:t>
+            </a:fld>
+            <a:endParaRPr lang="en-US"/>
+          </a:p>
+        </p:txBody>
+      </p:sp>
+      <p:sp>
+        <p:nvSpPr>
+          <p:cNvPr id="4" name="Slide Image Placeholder 3"/>
+          <p:cNvSpPr>
+            <a:spLocks noGrp="1" noRot="1" noChangeAspect="1"/>
+          </p:cNvSpPr>
+          <p:nvPr>
+            <p:ph type="sldImg" idx="2"/>
+          </p:nvPr>
+        </p:nvSpPr>
+        <p:spPr>
+          <a:xfrm>
+            <a:off x="685800" y="1143000"/>
+            <a:ext cx="5486400" cy="3086100"/>
+          </a:xfrm>
+          <a:prstGeom prst="rect">
+            <a:avLst/>
+          </a:prstGeom>
+          <a:noFill/>
+          <a:ln w="12700">
+            <a:solidFill>
+              <a:prstClr val="black"/>
+            </a:solidFill>
+          </a:ln>
+        </p:spPr>
+        <p:txBody>
+          <a:bodyPr vert="horz" lIns="91440" tIns="45720" rIns="91440" bIns="45720" rtlCol="0" anchor="ctr"/>
+          <a:lstStyle/>
+          <a:p>
+            <a:endParaRPr lang="en-US"/>
+          </a:p>
+        </p:txBody>
+      </p:sp>
+      <p:sp>
+        <p:nvSpPr>
+          <p:cNvPr id="5" name="Notes Placeholder 4"/>
+          <p:cNvSpPr>
+            <a:spLocks noGrp="1"/>
+          </p:cNvSpPr>
+          <p:nvPr>
+            <p:ph type="body" sz="quarter" idx="3"/>
+          </p:nvPr>
+        </p:nvSpPr>
+        <p:spPr>
+          <a:xfrm>
+            <a:off x="685800" y="4400550"/>
+            <a:ext cx="5486400" cy="3600450"/>
+          </a:xfrm>
+          <a:prstGeom prst="rect">
+            <a:avLst/>
+          </a:prstGeom>
+        </p:spPr>
+        <p:txBody>
+          <a:bodyPr vert="horz" lIns="91440" tIns="45720" rIns="91440" bIns="45720" rtlCol="0"/>
+          <a:lstStyle/>
+          <a:p>
+            <a:pPr lvl="0"/>
+            <a:r>
+              <a:rPr lang="en-US"/>
+              <a:t>Edit Master text styles</a:t>
+            </a:r>
+          </a:p>
+          <a:p>
+            <a:pPr lvl="1"/>
+            <a:r>
+              <a:rPr lang="en-US"/>
+              <a:t>Second level</a:t>
+            </a:r>
+          </a:p>
+          <a:p>
+            <a:pPr lvl="2"/>
+            <a:r>
+              <a:rPr lang="en-US"/>
+              <a:t>Third level</a:t>
+            </a:r>
+          </a:p>
+          <a:p>
+            <a:pPr lvl="3"/>
+            <a:r>
+              <a:rPr lang="en-US"/>
+              <a:t>Fourth level</a:t>
+            </a:r>
+          </a:p>
+          <a:p>
+            <a:pPr lvl="4"/>
+            <a:r>
+              <a:rPr lang="en-US"/>
+              <a:t>Fifth level</a:t>
+            </a:r>
+          </a:p>
+        </p:txBody>
+      </p:sp>
+      <p:sp>
+        <p:nvSpPr>
+          <p:cNvPr id="6" name="Footer Placeholder 5"/>
+          <p:cNvSpPr>
+            <a:spLocks noGrp="1"/>
+          </p:cNvSpPr>
+          <p:nvPr>
+            <p:ph type="ftr" sz="quarter" idx="4"/>
+          </p:nvPr>
+        </p:nvSpPr>
+        <p:spPr>
+          <a:xfrm>
+            <a:off x="0" y="8685213"/>
+            <a:ext cx="2971800" cy="458787"/>
+          </a:xfrm>
+          <a:prstGeom prst="rect">
+            <a:avLst/>
+          </a:prstGeom>
+        </p:spPr>
+        <p:txBody>
+          <a:bodyPr vert="horz" lIns="91440" tIns="45720" rIns="91440" bIns="45720" rtlCol="0" anchor="b"/>
+          <a:lstStyle>
+            <a:lvl1pPr algn="l">
+              <a:defRPr sz="1200"/>
+            </a:lvl1pPr>
+          </a:lstStyle>
+          <a:p>
+            <a:endParaRPr lang="en-US"/>
+          </a:p>
+        </p:txBody>
+      </p:sp>
+      <p:sp>
+        <p:nvSpPr>
+          <p:cNvPr id="7" name="Slide Number Placeholder 6"/>
+          <p:cNvSpPr>
+            <a:spLocks noGrp="1"/>
+          </p:cNvSpPr>
+          <p:nvPr>
+            <p:ph type="sldNum" sz="quarter" idx="5"/>
+          </p:nvPr>
+        </p:nvSpPr>
+        <p:spPr>
+          <a:xfrm>
+            <a:off x="3884613" y="8685213"/>
+            <a:ext cx="2971800" cy="458787"/>
+          </a:xfrm>
+          <a:prstGeom prst="rect">
+            <a:avLst/>
+          </a:prstGeom>
+        </p:spPr>
+        <p:txBody>
+          <a:bodyPr vert="horz" lIns="91440" tIns="45720" rIns="91440" bIns="45720" rtlCol="0" anchor="b"/>
+          <a:lstStyle>
+            <a:lvl1pPr algn="r">
+              <a:defRPr sz="1200"/>
+            </a:lvl1pPr>
+          </a:lstStyle>
+          <a:p>
+            <a:fld id="{4937E6DA-9514-4FFE-BE70-BC0D34F290CA}" type="slidenum">
+              <a:rPr lang="en-US" smtClean="0"/>
+              <a:t>‹#›</a:t>
+            </a:fld>
+            <a:endParaRPr lang="en-US"/>
+          </a:p>
+        </p:txBody>
+      </p:sp>
+    </p:spTree>
+    <p:extLst>
+      <p:ext uri="{BB962C8B-B14F-4D97-AF65-F5344CB8AC3E}">
+        <p14:creationId xmlns:p14="http://schemas.microsoft.com/office/powerpoint/2010/main" val="4270130058"/>
+      </p:ext>
+    </p:extLst>
+  </p:cSld>
+  <p:clrMap bg1="lt1" tx1="dk1" bg2="lt2" tx2="dk2" accent1="accent1" accent2="accent2" accent3="accent3" accent4="accent4" accent5="accent5" accent6="accent6" hlink="hlink" folHlink="folHlink"/>
+  <p:notesStyle>
+    <a:lvl1pPr marL="0" algn="l" defTabSz="914400" rtl="0" eaLnBrk="1" latinLnBrk="0" hangingPunct="1">
+      <a:defRPr sz="1200" kern="1200">
+        <a:solidFill>
+          <a:schemeClr val="tx1"/>
+        </a:solidFill>
+        <a:latin typeface="+mn-lt"/>
+        <a:ea typeface="+mn-ea"/>
+        <a:cs typeface="+mn-cs"/>
+      </a:defRPr>
+    </a:lvl1pPr>
+    <a:lvl2pPr marL="457200" algn="l" defTabSz="914400" rtl="0" eaLnBrk="1" latinLnBrk="0" hangingPunct="1">
+      <a:defRPr sz="1200" kern="1200">
+        <a:solidFill>
+          <a:schemeClr val="tx1"/>
+        </a:solidFill>
+        <a:latin typeface="+mn-lt"/>
+        <a:ea typeface="+mn-ea"/>
+        <a:cs typeface="+mn-cs"/>
+      </a:defRPr>
+    </a:lvl2pPr>
+    <a:lvl3pPr marL="914400" algn="l" defTabSz="914400" rtl="0" eaLnBrk="1" latinLnBrk="0" hangingPunct="1">
+      <a:defRPr sz="1200" kern="1200">
+        <a:solidFill>
+          <a:schemeClr val="tx1"/>
+        </a:solidFill>
+        <a:latin typeface="+mn-lt"/>
+        <a:ea typeface="+mn-ea"/>
+        <a:cs typeface="+mn-cs"/>
+      </a:defRPr>
+    </a:lvl3pPr>
+    <a:lvl4pPr marL="1371600" algn="l" defTabSz="914400" rtl="0" eaLnBrk="1" latinLnBrk="0" hangingPunct="1">
+      <a:defRPr sz="1200" kern="1200">
+        <a:solidFill>
+          <a:schemeClr val="tx1"/>
+        </a:solidFill>
+        <a:latin typeface="+mn-lt"/>
+        <a:ea typeface="+mn-ea"/>
+        <a:cs typeface="+mn-cs"/>
+      </a:defRPr>
+    </a:lvl4pPr>
+    <a:lvl5pPr marL="1828800" algn="l" defTabSz="914400" rtl="0" eaLnBrk="1" latinLnBrk="0" hangingPunct="1">
+      <a:defRPr sz="1200" kern="1200">
+        <a:solidFill>
+          <a:schemeClr val="tx1"/>
+        </a:solidFill>
+        <a:latin typeface="+mn-lt"/>
+        <a:ea typeface="+mn-ea"/>
+        <a:cs typeface="+mn-cs"/>
+      </a:defRPr>
+    </a:lvl5pPr>
+    <a:lvl6pPr marL="2286000" algn="l" defTabSz="914400" rtl="0" eaLnBrk="1" latinLnBrk="0" hangingPunct="1">
+      <a:defRPr sz="1200" kern="1200">
+        <a:solidFill>
+          <a:schemeClr val="tx1"/>
+        </a:solidFill>
+        <a:latin typeface="+mn-lt"/>
+        <a:ea typeface="+mn-ea"/>
+        <a:cs typeface="+mn-cs"/>
+      </a:defRPr>
+    </a:lvl6pPr>
+    <a:lvl7pPr marL="2743200" algn="l" defTabSz="914400" rtl="0" eaLnBrk="1" latinLnBrk="0" hangingPunct="1">
+      <a:defRPr sz="1200" kern="1200">
+        <a:solidFill>
+          <a:schemeClr val="tx1"/>
+        </a:solidFill>
+        <a:latin typeface="+mn-lt"/>
+        <a:ea typeface="+mn-ea"/>
+        <a:cs typeface="+mn-cs"/>
+      </a:defRPr>
+    </a:lvl7pPr>
+    <a:lvl8pPr marL="3200400" algn="l" defTabSz="914400" rtl="0" eaLnBrk="1" latinLnBrk="0" hangingPunct="1">
+      <a:defRPr sz="1200" kern="1200">
+        <a:solidFill>
+          <a:schemeClr val="tx1"/>
+        </a:solidFill>
+        <a:latin typeface="+mn-lt"/>
+        <a:ea typeface="+mn-ea"/>
+        <a:cs typeface="+mn-cs"/>
+      </a:defRPr>
+    </a:lvl8pPr>
+    <a:lvl9pPr marL="3657600" algn="l" defTabSz="914400" rtl="0" eaLnBrk="1" latinLnBrk="0" hangingPunct="1">
+      <a:defRPr sz="1200" kern="1200">
+        <a:solidFill>
+          <a:schemeClr val="tx1"/>
+        </a:solidFill>
+        <a:latin typeface="+mn-lt"/>
+        <a:ea typeface="+mn-ea"/>
+        <a:cs typeface="+mn-cs"/>
+      </a:defRPr>
+    </a:lvl9pPr>
+  </p:notesStyle>
+</p:notesMaster>
+</file>
+
+<file path=ppt/notesSlides/notesSlide1.xml><?xml version="1.0" encoding="utf-8"?>
+<p:notes xmlns:a="http://schemas.openxmlformats.org/drawingml/2006/main" xmlns:r="http://schemas.openxmlformats.org/officeDocument/2006/relationships" xmlns:p="http://schemas.openxmlformats.org/presentationml/2006/main">
+  <p:cSld>
+    <p:spTree>
+      <p:nvGrpSpPr>
+        <p:cNvPr id="1" name=""/>
+        <p:cNvGrpSpPr/>
+        <p:nvPr/>
+      </p:nvGrpSpPr>
+      <p:grpSpPr>
+        <a:xfrm>
+          <a:off x="0" y="0"/>
+          <a:ext cx="0" cy="0"/>
+          <a:chOff x="0" y="0"/>
+          <a:chExt cx="0" cy="0"/>
+        </a:xfrm>
+      </p:grpSpPr>
+      <p:sp>
+        <p:nvSpPr>
+          <p:cNvPr id="2" name="Slide Image Placeholder 1"/>
+          <p:cNvSpPr>
+            <a:spLocks noGrp="1" noRot="1" noChangeAspect="1"/>
+          </p:cNvSpPr>
+          <p:nvPr>
+            <p:ph type="sldImg"/>
+          </p:nvPr>
+        </p:nvSpPr>
+        <p:spPr/>
+      </p:sp>
+      <p:sp>
+        <p:nvSpPr>
+          <p:cNvPr id="3" name="Notes Placeholder 2"/>
+          <p:cNvSpPr>
+            <a:spLocks noGrp="1"/>
+          </p:cNvSpPr>
+          <p:nvPr>
+            <p:ph type="body" idx="1"/>
+          </p:nvPr>
+        </p:nvSpPr>
+        <p:spPr/>
+        <p:txBody>
+          <a:bodyPr/>
+          <a:lstStyle/>
+          <a:p>
+            <a:endParaRPr lang="en-US" dirty="0"/>
+          </a:p>
+        </p:txBody>
+      </p:sp>
+      <p:sp>
+        <p:nvSpPr>
+          <p:cNvPr id="4" name="Slide Number Placeholder 3"/>
+          <p:cNvSpPr>
+            <a:spLocks noGrp="1"/>
+          </p:cNvSpPr>
+          <p:nvPr>
+            <p:ph type="sldNum" sz="quarter" idx="5"/>
+          </p:nvPr>
+        </p:nvSpPr>
+        <p:spPr/>
+        <p:txBody>
+          <a:bodyPr/>
+          <a:lstStyle/>
+          <a:p>
+            <a:fld id="{4937E6DA-9514-4FFE-BE70-BC0D34F290CA}" type="slidenum">
+              <a:rPr lang="en-US" smtClean="0"/>
+              <a:t>1</a:t>
+            </a:fld>
+            <a:endParaRPr lang="en-US"/>
+          </a:p>
+        </p:txBody>
+      </p:sp>
+    </p:spTree>
+    <p:extLst>
+      <p:ext uri="{BB962C8B-B14F-4D97-AF65-F5344CB8AC3E}">
+        <p14:creationId xmlns:p14="http://schemas.microsoft.com/office/powerpoint/2010/main" val="1996695844"/>
+      </p:ext>
+    </p:extLst>
+  </p:cSld>
+  <p:clrMapOvr>
+    <a:masterClrMapping/>
+  </p:clrMapOvr>
+</p:notes>
+</file>
+
+<file path=ppt/notesSlides/notesSlide2.xml><?xml version="1.0" encoding="utf-8"?>
+<p:notes xmlns:a="http://schemas.openxmlformats.org/drawingml/2006/main" xmlns:r="http://schemas.openxmlformats.org/officeDocument/2006/relationships" xmlns:p="http://schemas.openxmlformats.org/presentationml/2006/main">
+  <p:cSld>
+    <p:spTree>
+      <p:nvGrpSpPr>
+        <p:cNvPr id="1" name=""/>
+        <p:cNvGrpSpPr/>
+        <p:nvPr/>
+      </p:nvGrpSpPr>
+      <p:grpSpPr>
+        <a:xfrm>
+          <a:off x="0" y="0"/>
+          <a:ext cx="0" cy="0"/>
+          <a:chOff x="0" y="0"/>
+          <a:chExt cx="0" cy="0"/>
+        </a:xfrm>
+      </p:grpSpPr>
+      <p:sp>
+        <p:nvSpPr>
+          <p:cNvPr id="2" name="Slide Image Placeholder 1"/>
+          <p:cNvSpPr>
+            <a:spLocks noGrp="1" noRot="1" noChangeAspect="1"/>
+          </p:cNvSpPr>
+          <p:nvPr>
+            <p:ph type="sldImg"/>
+          </p:nvPr>
+        </p:nvSpPr>
+        <p:spPr/>
+      </p:sp>
+      <p:sp>
+        <p:nvSpPr>
+          <p:cNvPr id="3" name="Notes Placeholder 2"/>
+          <p:cNvSpPr>
+            <a:spLocks noGrp="1"/>
+          </p:cNvSpPr>
+          <p:nvPr>
+            <p:ph type="body" idx="1"/>
+          </p:nvPr>
+        </p:nvSpPr>
+        <p:spPr/>
+        <p:txBody>
+          <a:bodyPr/>
+          <a:lstStyle/>
+          <a:p>
+            <a:endParaRPr lang="en-US" dirty="0"/>
+          </a:p>
+        </p:txBody>
+      </p:sp>
+      <p:sp>
+        <p:nvSpPr>
+          <p:cNvPr id="4" name="Slide Number Placeholder 3"/>
+          <p:cNvSpPr>
+            <a:spLocks noGrp="1"/>
+          </p:cNvSpPr>
+          <p:nvPr>
+            <p:ph type="sldNum" sz="quarter" idx="5"/>
+          </p:nvPr>
+        </p:nvSpPr>
+        <p:spPr/>
+        <p:txBody>
+          <a:bodyPr/>
+          <a:lstStyle/>
+          <a:p>
+            <a:fld id="{4937E6DA-9514-4FFE-BE70-BC0D34F290CA}" type="slidenum">
+              <a:rPr lang="en-US" smtClean="0"/>
+              <a:t>4</a:t>
+            </a:fld>
+            <a:endParaRPr lang="en-US"/>
+          </a:p>
+        </p:txBody>
+      </p:sp>
+    </p:spTree>
+    <p:extLst>
+      <p:ext uri="{BB962C8B-B14F-4D97-AF65-F5344CB8AC3E}">
+        <p14:creationId xmlns:p14="http://schemas.microsoft.com/office/powerpoint/2010/main" val="1833160990"/>
+      </p:ext>
+    </p:extLst>
+  </p:cSld>
+  <p:clrMapOvr>
+    <a:masterClrMapping/>
+  </p:clrMapOvr>
+</p:notes>
 </file>
 
 <file path=ppt/slideLayouts/slideLayout1.xml><?xml version="1.0" encoding="utf-8"?>
@@ -3407,7 +3927,7 @@
           <p:nvPr/>
         </p:nvPicPr>
         <p:blipFill rotWithShape="1">
-          <a:blip r:embed="rId2"/>
+          <a:blip r:embed="rId3"/>
           <a:srcRect b="12625"/>
           <a:stretch/>
         </p:blipFill>
@@ -3439,7 +3959,7 @@
         </p:nvSpPr>
         <p:spPr>
           <a:xfrm>
-            <a:off x="1524000" y="765319"/>
+            <a:off x="1524000" y="806569"/>
             <a:ext cx="9144000" cy="2387600"/>
           </a:xfrm>
         </p:spPr>
@@ -3447,6 +3967,11 @@
           <a:bodyPr/>
           <a:lstStyle/>
           <a:p>
+            <a:pPr>
+              <a:lnSpc>
+                <a:spcPts val="8000"/>
+              </a:lnSpc>
+            </a:pPr>
             <a:r>
               <a:rPr lang="zh-TW" altLang="en-US" sz="4400" b="1" dirty="0">
                 <a:solidFill>
@@ -3514,7 +4039,7 @@
         </p:nvSpPr>
         <p:spPr>
           <a:xfrm>
-            <a:off x="1698824" y="5202807"/>
+            <a:off x="1698824" y="5491557"/>
             <a:ext cx="9144000" cy="1655762"/>
           </a:xfrm>
         </p:spPr>
@@ -3557,7 +4082,7 @@
           <p:nvPr/>
         </p:nvPicPr>
         <p:blipFill>
-          <a:blip r:embed="rId3">
+          <a:blip r:embed="rId4">
             <a:extLst>
               <a:ext uri="{28A0092B-C50C-407E-A947-70E740481C1C}">
                 <a14:useLocalDpi xmlns:a14="http://schemas.microsoft.com/office/drawing/2010/main" val="0"/>
@@ -3570,7 +4095,7 @@
         </p:blipFill>
         <p:spPr>
           <a:xfrm>
-            <a:off x="4738845" y="3705082"/>
+            <a:off x="5057191" y="3815082"/>
             <a:ext cx="934561" cy="1005840"/>
           </a:xfrm>
           <a:prstGeom prst="rect">
@@ -3593,7 +4118,7 @@
           <p:nvPr/>
         </p:nvPicPr>
         <p:blipFill>
-          <a:blip r:embed="rId4">
+          <a:blip r:embed="rId5">
             <a:extLst>
               <a:ext uri="{28A0092B-C50C-407E-A947-70E740481C1C}">
                 <a14:useLocalDpi xmlns:a14="http://schemas.microsoft.com/office/drawing/2010/main" val="0"/>
@@ -3606,7 +4131,7 @@
         </p:blipFill>
         <p:spPr>
           <a:xfrm>
-            <a:off x="1524000" y="3674942"/>
+            <a:off x="1524000" y="3775181"/>
             <a:ext cx="987878" cy="1005840"/>
           </a:xfrm>
           <a:prstGeom prst="rect">
@@ -3629,7 +4154,7 @@
           <p:nvPr/>
         </p:nvPicPr>
         <p:blipFill>
-          <a:blip r:embed="rId5">
+          <a:blip r:embed="rId6">
             <a:extLst>
               <a:ext uri="{28A0092B-C50C-407E-A947-70E740481C1C}">
                 <a14:useLocalDpi xmlns:a14="http://schemas.microsoft.com/office/drawing/2010/main" val="0"/>
@@ -3642,7 +4167,7 @@
         </p:blipFill>
         <p:spPr>
           <a:xfrm>
-            <a:off x="3027633" y="3688598"/>
+            <a:off x="3276958" y="3802614"/>
             <a:ext cx="1015153" cy="1005840"/>
           </a:xfrm>
           <a:prstGeom prst="rect">
@@ -3665,7 +4190,7 @@
           <p:nvPr/>
         </p:nvPicPr>
         <p:blipFill>
-          <a:blip r:embed="rId6">
+          <a:blip r:embed="rId7">
             <a:extLst>
               <a:ext uri="{28A0092B-C50C-407E-A947-70E740481C1C}">
                 <a14:useLocalDpi xmlns:a14="http://schemas.microsoft.com/office/drawing/2010/main" val="0"/>
@@ -3678,7 +4203,7 @@
         </p:blipFill>
         <p:spPr>
           <a:xfrm>
-            <a:off x="9880411" y="3640245"/>
+            <a:off x="9880411" y="3750245"/>
             <a:ext cx="1091809" cy="1005840"/>
           </a:xfrm>
           <a:prstGeom prst="rect">
@@ -3701,7 +4226,7 @@
           <p:nvPr/>
         </p:nvPicPr>
         <p:blipFill>
-          <a:blip r:embed="rId7">
+          <a:blip r:embed="rId8">
             <a:extLst>
               <a:ext uri="{28A0092B-C50C-407E-A947-70E740481C1C}">
                 <a14:useLocalDpi xmlns:a14="http://schemas.microsoft.com/office/drawing/2010/main" val="0"/>
@@ -3714,7 +4239,7 @@
         </p:blipFill>
         <p:spPr>
           <a:xfrm>
-            <a:off x="6544419" y="3673694"/>
+            <a:off x="6756832" y="3787649"/>
             <a:ext cx="866981" cy="1008337"/>
           </a:xfrm>
           <a:prstGeom prst="rect">
@@ -3737,7 +4262,7 @@
           <p:nvPr/>
         </p:nvPicPr>
         <p:blipFill>
-          <a:blip r:embed="rId8">
+          <a:blip r:embed="rId9">
             <a:extLst>
               <a:ext uri="{28A0092B-C50C-407E-A947-70E740481C1C}">
                 <a14:useLocalDpi xmlns:a14="http://schemas.microsoft.com/office/drawing/2010/main" val="0"/>
@@ -3750,7 +4275,7 @@
         </p:blipFill>
         <p:spPr>
           <a:xfrm>
-            <a:off x="8412450" y="3661288"/>
+            <a:off x="8388893" y="3762713"/>
             <a:ext cx="726440" cy="1005840"/>
           </a:xfrm>
           <a:prstGeom prst="rect">
@@ -3857,20 +4382,17 @@
           <a:p>
             <a:r>
               <a:rPr lang="zh-TW" altLang="en-US" dirty="0"/>
+              <a:t>西洋棋</a:t>
+            </a:r>
+            <a:endParaRPr lang="en-US" altLang="zh-TW" dirty="0"/>
+          </a:p>
+          <a:p>
+            <a:endParaRPr lang="en-US" altLang="zh-TW" dirty="0"/>
+          </a:p>
+          <a:p>
+            <a:r>
+              <a:rPr lang="zh-TW" altLang="en-US" dirty="0"/>
               <a:t>雙人連線</a:t>
-            </a:r>
-            <a:endParaRPr lang="en-US" altLang="zh-TW" dirty="0"/>
-          </a:p>
-          <a:p>
-            <a:pPr marL="0" indent="0">
-              <a:buNone/>
-            </a:pPr>
-            <a:endParaRPr lang="en-US" altLang="zh-TW" dirty="0"/>
-          </a:p>
-          <a:p>
-            <a:r>
-              <a:rPr lang="zh-TW" altLang="en-US" dirty="0"/>
-              <a:t>西洋棋</a:t>
             </a:r>
             <a:endParaRPr lang="en-US" altLang="zh-TW" dirty="0"/>
           </a:p>
@@ -3963,16 +4485,14 @@
         </p:nvSpPr>
         <p:spPr>
           <a:xfrm>
-            <a:off x="1359277" y="2045445"/>
+            <a:off x="4259353" y="3860816"/>
             <a:ext cx="3478304" cy="877328"/>
           </a:xfrm>
           <a:prstGeom prst="rect">
             <a:avLst/>
           </a:prstGeom>
           <a:solidFill>
-            <a:schemeClr val="accent6">
-              <a:lumMod val="75000"/>
-            </a:schemeClr>
+            <a:srgbClr val="365422"/>
           </a:solidFill>
           <a:ln>
             <a:solidFill>
@@ -4031,7 +4551,12 @@
             <p:ph type="title"/>
           </p:nvPr>
         </p:nvSpPr>
-        <p:spPr/>
+        <p:spPr>
+          <a:xfrm>
+            <a:off x="838200" y="365125"/>
+            <a:ext cx="10515600" cy="1325563"/>
+          </a:xfrm>
+        </p:spPr>
         <p:txBody>
           <a:bodyPr/>
           <a:lstStyle/>
@@ -4058,16 +4583,14 @@
         </p:nvSpPr>
         <p:spPr>
           <a:xfrm>
-            <a:off x="6789649" y="2045445"/>
-            <a:ext cx="3478304" cy="877328"/>
+            <a:off x="9006724" y="3854948"/>
+            <a:ext cx="2080933" cy="877328"/>
           </a:xfrm>
           <a:prstGeom prst="rect">
             <a:avLst/>
           </a:prstGeom>
           <a:solidFill>
-            <a:schemeClr val="accent6">
-              <a:lumMod val="75000"/>
-            </a:schemeClr>
+            <a:srgbClr val="365422"/>
           </a:solidFill>
           <a:ln>
             <a:solidFill>
@@ -4112,10 +4635,10 @@
       </p:sp>
       <p:sp>
         <p:nvSpPr>
-          <p:cNvPr id="10" name="Rectangle 9">
-            <a:extLst>
-              <a:ext uri="{FF2B5EF4-FFF2-40B4-BE49-F238E27FC236}">
-                <a16:creationId xmlns:a16="http://schemas.microsoft.com/office/drawing/2014/main" id="{7998CA0E-D6C4-461C-9568-9E07A538896D}"/>
+          <p:cNvPr id="8" name="Rectangle 7">
+            <a:extLst>
+              <a:ext uri="{FF2B5EF4-FFF2-40B4-BE49-F238E27FC236}">
+                <a16:creationId xmlns:a16="http://schemas.microsoft.com/office/drawing/2014/main" id="{5782FDCD-8502-4437-989A-84BF817CB019}"/>
               </a:ext>
             </a:extLst>
           </p:cNvPr>
@@ -4124,16 +4647,14 @@
         </p:nvSpPr>
         <p:spPr>
           <a:xfrm>
-            <a:off x="1359277" y="3835583"/>
-            <a:ext cx="3478304" cy="877328"/>
+            <a:off x="3787584" y="4917960"/>
+            <a:ext cx="1089212" cy="438664"/>
           </a:xfrm>
           <a:prstGeom prst="rect">
             <a:avLst/>
           </a:prstGeom>
           <a:solidFill>
-            <a:schemeClr val="accent6">
-              <a:lumMod val="75000"/>
-            </a:schemeClr>
+            <a:srgbClr val="365422"/>
           </a:solidFill>
           <a:ln>
             <a:solidFill>
@@ -4167,9 +4688,338 @@
                 <a:latin typeface="Microsoft JhengHei" panose="020B0604030504040204" pitchFamily="34" charset="-120"/>
                 <a:ea typeface="Microsoft JhengHei" panose="020B0604030504040204" pitchFamily="34" charset="-120"/>
               </a:rPr>
-              <a:t>發送指令</a:t>
+              <a:t>預覽</a:t>
             </a:r>
             <a:endParaRPr lang="en-US" sz="2400" b="1" dirty="0">
+              <a:latin typeface="Microsoft JhengHei" panose="020B0604030504040204" pitchFamily="34" charset="-120"/>
+              <a:ea typeface="Microsoft JhengHei" panose="020B0604030504040204" pitchFamily="34" charset="-120"/>
+            </a:endParaRPr>
+          </a:p>
+        </p:txBody>
+      </p:sp>
+      <p:sp>
+        <p:nvSpPr>
+          <p:cNvPr id="12" name="Rectangle 11">
+            <a:extLst>
+              <a:ext uri="{FF2B5EF4-FFF2-40B4-BE49-F238E27FC236}">
+                <a16:creationId xmlns:a16="http://schemas.microsoft.com/office/drawing/2014/main" id="{1B0CEA2D-0049-449E-B11F-90DAAA877F1A}"/>
+              </a:ext>
+            </a:extLst>
+          </p:cNvPr>
+          <p:cNvSpPr/>
+          <p:nvPr/>
+        </p:nvSpPr>
+        <p:spPr>
+          <a:xfrm>
+            <a:off x="5134533" y="4917960"/>
+            <a:ext cx="1879226" cy="438664"/>
+          </a:xfrm>
+          <a:prstGeom prst="rect">
+            <a:avLst/>
+          </a:prstGeom>
+          <a:solidFill>
+            <a:srgbClr val="365422"/>
+          </a:solidFill>
+          <a:ln>
+            <a:solidFill>
+              <a:schemeClr val="bg1"/>
+            </a:solidFill>
+          </a:ln>
+        </p:spPr>
+        <p:style>
+          <a:lnRef idx="2">
+            <a:schemeClr val="accent1">
+              <a:shade val="50000"/>
+            </a:schemeClr>
+          </a:lnRef>
+          <a:fillRef idx="1">
+            <a:schemeClr val="accent1"/>
+          </a:fillRef>
+          <a:effectRef idx="0">
+            <a:schemeClr val="accent1"/>
+          </a:effectRef>
+          <a:fontRef idx="minor">
+            <a:schemeClr val="lt1"/>
+          </a:fontRef>
+        </p:style>
+        <p:txBody>
+          <a:bodyPr rtlCol="0" anchor="ctr"/>
+          <a:lstStyle/>
+          <a:p>
+            <a:pPr algn="ctr"/>
+            <a:r>
+              <a:rPr lang="zh-TW" altLang="en-US" sz="2400" b="1">
+                <a:latin typeface="Microsoft JhengHei" panose="020B0604030504040204" pitchFamily="34" charset="-120"/>
+                <a:ea typeface="Microsoft JhengHei" panose="020B0604030504040204" pitchFamily="34" charset="-120"/>
+              </a:rPr>
+              <a:t>取消預覽</a:t>
+            </a:r>
+            <a:endParaRPr lang="en-US" sz="2400" b="1" dirty="0">
+              <a:latin typeface="Microsoft JhengHei" panose="020B0604030504040204" pitchFamily="34" charset="-120"/>
+              <a:ea typeface="Microsoft JhengHei" panose="020B0604030504040204" pitchFamily="34" charset="-120"/>
+            </a:endParaRPr>
+          </a:p>
+        </p:txBody>
+      </p:sp>
+      <p:sp>
+        <p:nvSpPr>
+          <p:cNvPr id="13" name="Rectangle 12">
+            <a:extLst>
+              <a:ext uri="{FF2B5EF4-FFF2-40B4-BE49-F238E27FC236}">
+                <a16:creationId xmlns:a16="http://schemas.microsoft.com/office/drawing/2014/main" id="{18D78E2D-FA57-458B-BC4B-260924966642}"/>
+              </a:ext>
+            </a:extLst>
+          </p:cNvPr>
+          <p:cNvSpPr/>
+          <p:nvPr/>
+        </p:nvSpPr>
+        <p:spPr>
+          <a:xfrm>
+            <a:off x="7271496" y="4917960"/>
+            <a:ext cx="893109" cy="438664"/>
+          </a:xfrm>
+          <a:prstGeom prst="rect">
+            <a:avLst/>
+          </a:prstGeom>
+          <a:solidFill>
+            <a:srgbClr val="365422"/>
+          </a:solidFill>
+          <a:ln>
+            <a:solidFill>
+              <a:schemeClr val="bg1"/>
+            </a:solidFill>
+          </a:ln>
+        </p:spPr>
+        <p:style>
+          <a:lnRef idx="2">
+            <a:schemeClr val="accent1">
+              <a:shade val="50000"/>
+            </a:schemeClr>
+          </a:lnRef>
+          <a:fillRef idx="1">
+            <a:schemeClr val="accent1"/>
+          </a:fillRef>
+          <a:effectRef idx="0">
+            <a:schemeClr val="accent1"/>
+          </a:effectRef>
+          <a:fontRef idx="minor">
+            <a:schemeClr val="lt1"/>
+          </a:fontRef>
+        </p:style>
+        <p:txBody>
+          <a:bodyPr rtlCol="0" anchor="ctr"/>
+          <a:lstStyle/>
+          <a:p>
+            <a:pPr algn="ctr"/>
+            <a:r>
+              <a:rPr lang="zh-TW" altLang="en-US" sz="2400" b="1" dirty="0">
+                <a:latin typeface="Microsoft JhengHei" panose="020B0604030504040204" pitchFamily="34" charset="-120"/>
+                <a:ea typeface="Microsoft JhengHei" panose="020B0604030504040204" pitchFamily="34" charset="-120"/>
+              </a:rPr>
+              <a:t>移動</a:t>
+            </a:r>
+            <a:endParaRPr lang="en-US" sz="2400" b="1" dirty="0">
+              <a:latin typeface="Microsoft JhengHei" panose="020B0604030504040204" pitchFamily="34" charset="-120"/>
+              <a:ea typeface="Microsoft JhengHei" panose="020B0604030504040204" pitchFamily="34" charset="-120"/>
+            </a:endParaRPr>
+          </a:p>
+        </p:txBody>
+      </p:sp>
+      <p:sp>
+        <p:nvSpPr>
+          <p:cNvPr id="14" name="Rectangle 13">
+            <a:extLst>
+              <a:ext uri="{FF2B5EF4-FFF2-40B4-BE49-F238E27FC236}">
+                <a16:creationId xmlns:a16="http://schemas.microsoft.com/office/drawing/2014/main" id="{C3624CB1-A274-4A2E-AA9C-BE7D48BE648B}"/>
+              </a:ext>
+            </a:extLst>
+          </p:cNvPr>
+          <p:cNvSpPr/>
+          <p:nvPr/>
+        </p:nvSpPr>
+        <p:spPr>
+          <a:xfrm>
+            <a:off x="733981" y="3854948"/>
+            <a:ext cx="2615454" cy="877328"/>
+          </a:xfrm>
+          <a:prstGeom prst="rect">
+            <a:avLst/>
+          </a:prstGeom>
+          <a:solidFill>
+            <a:srgbClr val="365422"/>
+          </a:solidFill>
+          <a:ln>
+            <a:solidFill>
+              <a:schemeClr val="bg1"/>
+            </a:solidFill>
+          </a:ln>
+        </p:spPr>
+        <p:style>
+          <a:lnRef idx="2">
+            <a:schemeClr val="accent1">
+              <a:shade val="50000"/>
+            </a:schemeClr>
+          </a:lnRef>
+          <a:fillRef idx="1">
+            <a:schemeClr val="accent1"/>
+          </a:fillRef>
+          <a:effectRef idx="0">
+            <a:schemeClr val="accent1"/>
+          </a:effectRef>
+          <a:fontRef idx="minor">
+            <a:schemeClr val="lt1"/>
+          </a:fontRef>
+        </p:style>
+        <p:txBody>
+          <a:bodyPr rtlCol="0" anchor="ctr"/>
+          <a:lstStyle/>
+          <a:p>
+            <a:pPr algn="ctr"/>
+            <a:r>
+              <a:rPr lang="zh-TW" altLang="en-US" sz="2400" b="1" dirty="0">
+                <a:latin typeface="Microsoft JhengHei" panose="020B0604030504040204" pitchFamily="34" charset="-120"/>
+                <a:ea typeface="Microsoft JhengHei" panose="020B0604030504040204" pitchFamily="34" charset="-120"/>
+              </a:rPr>
+              <a:t>等待 </a:t>
+            </a:r>
+            <a:r>
+              <a:rPr lang="en-US" altLang="zh-TW" sz="2400" b="1" dirty="0">
+                <a:latin typeface="Microsoft JhengHei" panose="020B0604030504040204" pitchFamily="34" charset="-120"/>
+                <a:ea typeface="Microsoft JhengHei" panose="020B0604030504040204" pitchFamily="34" charset="-120"/>
+              </a:rPr>
+              <a:t>/</a:t>
+            </a:r>
+            <a:r>
+              <a:rPr lang="zh-TW" altLang="en-US" sz="2400" b="1" dirty="0">
+                <a:latin typeface="Microsoft JhengHei" panose="020B0604030504040204" pitchFamily="34" charset="-120"/>
+                <a:ea typeface="Microsoft JhengHei" panose="020B0604030504040204" pitchFamily="34" charset="-120"/>
+              </a:rPr>
+              <a:t> 輸贏提示</a:t>
+            </a:r>
+            <a:r>
+              <a:rPr lang="en-US" altLang="zh-TW" sz="2400" b="1" dirty="0">
+                <a:latin typeface="Microsoft JhengHei" panose="020B0604030504040204" pitchFamily="34" charset="-120"/>
+                <a:ea typeface="Microsoft JhengHei" panose="020B0604030504040204" pitchFamily="34" charset="-120"/>
+              </a:rPr>
+              <a:t> </a:t>
+            </a:r>
+            <a:endParaRPr lang="en-US" sz="2400" b="1" dirty="0">
+              <a:latin typeface="Microsoft JhengHei" panose="020B0604030504040204" pitchFamily="34" charset="-120"/>
+              <a:ea typeface="Microsoft JhengHei" panose="020B0604030504040204" pitchFamily="34" charset="-120"/>
+            </a:endParaRPr>
+          </a:p>
+        </p:txBody>
+      </p:sp>
+      <p:sp>
+        <p:nvSpPr>
+          <p:cNvPr id="18" name="TextBox 17">
+            <a:extLst>
+              <a:ext uri="{FF2B5EF4-FFF2-40B4-BE49-F238E27FC236}">
+                <a16:creationId xmlns:a16="http://schemas.microsoft.com/office/drawing/2014/main" id="{459A6DEF-1D61-47C3-9A78-622F86C97850}"/>
+              </a:ext>
+            </a:extLst>
+          </p:cNvPr>
+          <p:cNvSpPr txBox="1"/>
+          <p:nvPr/>
+        </p:nvSpPr>
+        <p:spPr>
+          <a:xfrm>
+            <a:off x="838200" y="1690688"/>
+            <a:ext cx="2679323" cy="584775"/>
+          </a:xfrm>
+          <a:prstGeom prst="rect">
+            <a:avLst/>
+          </a:prstGeom>
+          <a:noFill/>
+        </p:spPr>
+        <p:txBody>
+          <a:bodyPr wrap="none" rtlCol="0">
+            <a:spAutoFit/>
+          </a:bodyPr>
+          <a:lstStyle/>
+          <a:p>
+            <a:r>
+              <a:rPr lang="zh-TW" altLang="en-US" sz="3200" dirty="0">
+                <a:solidFill>
+                  <a:schemeClr val="bg1"/>
+                </a:solidFill>
+                <a:latin typeface="Microsoft JhengHei" panose="020B0604030504040204" pitchFamily="34" charset="-120"/>
+                <a:ea typeface="Microsoft JhengHei" panose="020B0604030504040204" pitchFamily="34" charset="-120"/>
+              </a:rPr>
+              <a:t>以 </a:t>
+            </a:r>
+            <a:r>
+              <a:rPr lang="en-US" altLang="zh-TW" sz="3200" dirty="0">
+                <a:solidFill>
+                  <a:schemeClr val="bg1"/>
+                </a:solidFill>
+                <a:latin typeface="Microsoft JhengHei" panose="020B0604030504040204" pitchFamily="34" charset="-120"/>
+                <a:ea typeface="Microsoft JhengHei" panose="020B0604030504040204" pitchFamily="34" charset="-120"/>
+              </a:rPr>
+              <a:t>React </a:t>
+            </a:r>
+            <a:r>
+              <a:rPr lang="zh-TW" altLang="en-US" sz="3200" dirty="0">
+                <a:solidFill>
+                  <a:schemeClr val="bg1"/>
+                </a:solidFill>
+                <a:latin typeface="Microsoft JhengHei" panose="020B0604030504040204" pitchFamily="34" charset="-120"/>
+                <a:ea typeface="Microsoft JhengHei" panose="020B0604030504040204" pitchFamily="34" charset="-120"/>
+              </a:rPr>
+              <a:t>實作</a:t>
+            </a:r>
+            <a:endParaRPr lang="en-US" sz="3200" dirty="0">
+              <a:solidFill>
+                <a:schemeClr val="bg1"/>
+              </a:solidFill>
+              <a:latin typeface="Microsoft JhengHei" panose="020B0604030504040204" pitchFamily="34" charset="-120"/>
+              <a:ea typeface="Microsoft JhengHei" panose="020B0604030504040204" pitchFamily="34" charset="-120"/>
+            </a:endParaRPr>
+          </a:p>
+        </p:txBody>
+      </p:sp>
+      <p:sp>
+        <p:nvSpPr>
+          <p:cNvPr id="19" name="TextBox 18">
+            <a:extLst>
+              <a:ext uri="{FF2B5EF4-FFF2-40B4-BE49-F238E27FC236}">
+                <a16:creationId xmlns:a16="http://schemas.microsoft.com/office/drawing/2014/main" id="{93CD0579-D13F-4C99-9F81-906A5A19FD16}"/>
+              </a:ext>
+            </a:extLst>
+          </p:cNvPr>
+          <p:cNvSpPr txBox="1"/>
+          <p:nvPr/>
+        </p:nvSpPr>
+        <p:spPr>
+          <a:xfrm>
+            <a:off x="862851" y="2418278"/>
+            <a:ext cx="5519460" cy="584775"/>
+          </a:xfrm>
+          <a:prstGeom prst="rect">
+            <a:avLst/>
+          </a:prstGeom>
+          <a:noFill/>
+        </p:spPr>
+        <p:txBody>
+          <a:bodyPr wrap="none" rtlCol="0">
+            <a:spAutoFit/>
+          </a:bodyPr>
+          <a:lstStyle/>
+          <a:p>
+            <a:r>
+              <a:rPr lang="zh-TW" altLang="en-US" sz="3200" dirty="0">
+                <a:solidFill>
+                  <a:schemeClr val="bg1"/>
+                </a:solidFill>
+                <a:latin typeface="Microsoft JhengHei" panose="020B0604030504040204" pitchFamily="34" charset="-120"/>
+                <a:ea typeface="Microsoft JhengHei" panose="020B0604030504040204" pitchFamily="34" charset="-120"/>
+              </a:rPr>
+              <a:t>負責與玩家互動，功能包含：</a:t>
+            </a:r>
+            <a:endParaRPr lang="en-US" sz="3200" dirty="0">
+              <a:solidFill>
+                <a:schemeClr val="bg1"/>
+              </a:solidFill>
               <a:latin typeface="Microsoft JhengHei" panose="020B0604030504040204" pitchFamily="34" charset="-120"/>
               <a:ea typeface="Microsoft JhengHei" panose="020B0604030504040204" pitchFamily="34" charset="-120"/>
             </a:endParaRPr>
@@ -4249,16 +5099,14 @@
         </p:nvSpPr>
         <p:spPr>
           <a:xfrm>
-            <a:off x="1261782" y="2146298"/>
-            <a:ext cx="2268071" cy="877328"/>
+            <a:off x="4588918" y="3510560"/>
+            <a:ext cx="1380565" cy="517166"/>
           </a:xfrm>
           <a:prstGeom prst="rect">
             <a:avLst/>
           </a:prstGeom>
           <a:solidFill>
-            <a:schemeClr val="accent6">
-              <a:lumMod val="75000"/>
-            </a:schemeClr>
+            <a:srgbClr val="365422"/>
           </a:solidFill>
           <a:ln>
             <a:solidFill>
@@ -4315,16 +5163,14 @@
         </p:nvSpPr>
         <p:spPr>
           <a:xfrm>
-            <a:off x="3935504" y="2146298"/>
-            <a:ext cx="3478304" cy="877328"/>
+            <a:off x="6163535" y="3510560"/>
+            <a:ext cx="1947584" cy="517166"/>
           </a:xfrm>
           <a:prstGeom prst="rect">
             <a:avLst/>
           </a:prstGeom>
           <a:solidFill>
-            <a:schemeClr val="accent6">
-              <a:lumMod val="75000"/>
-            </a:schemeClr>
+            <a:srgbClr val="365422"/>
           </a:solidFill>
           <a:ln>
             <a:solidFill>
@@ -4381,16 +5227,14 @@
         </p:nvSpPr>
         <p:spPr>
           <a:xfrm>
-            <a:off x="7819459" y="2146298"/>
-            <a:ext cx="2222124" cy="877328"/>
+            <a:off x="8340629" y="3517031"/>
+            <a:ext cx="1327889" cy="517166"/>
           </a:xfrm>
           <a:prstGeom prst="rect">
             <a:avLst/>
           </a:prstGeom>
           <a:solidFill>
-            <a:schemeClr val="accent6">
-              <a:lumMod val="75000"/>
-            </a:schemeClr>
+            <a:srgbClr val="365422"/>
           </a:solidFill>
           <a:ln>
             <a:solidFill>
@@ -4427,6 +5271,312 @@
               <a:t>移動</a:t>
             </a:r>
             <a:endParaRPr lang="en-US" sz="2400" b="1" dirty="0">
+              <a:latin typeface="Microsoft JhengHei" panose="020B0604030504040204" pitchFamily="34" charset="-120"/>
+              <a:ea typeface="Microsoft JhengHei" panose="020B0604030504040204" pitchFamily="34" charset="-120"/>
+            </a:endParaRPr>
+          </a:p>
+        </p:txBody>
+      </p:sp>
+      <p:pic>
+        <p:nvPicPr>
+          <p:cNvPr id="7" name="Picture 6">
+            <a:extLst>
+              <a:ext uri="{FF2B5EF4-FFF2-40B4-BE49-F238E27FC236}">
+                <a16:creationId xmlns:a16="http://schemas.microsoft.com/office/drawing/2014/main" id="{66DCE396-D533-479E-9BCD-492F7F9444FF}"/>
+              </a:ext>
+            </a:extLst>
+          </p:cNvPr>
+          <p:cNvPicPr>
+            <a:picLocks noChangeAspect="1"/>
+          </p:cNvPicPr>
+          <p:nvPr/>
+        </p:nvPicPr>
+        <p:blipFill>
+          <a:blip r:embed="rId3"/>
+          <a:stretch>
+            <a:fillRect/>
+          </a:stretch>
+        </p:blipFill>
+        <p:spPr>
+          <a:xfrm>
+            <a:off x="3580626" y="4167353"/>
+            <a:ext cx="2294653" cy="2286000"/>
+          </a:xfrm>
+          <a:prstGeom prst="rect">
+            <a:avLst/>
+          </a:prstGeom>
+        </p:spPr>
+      </p:pic>
+      <p:pic>
+        <p:nvPicPr>
+          <p:cNvPr id="8" name="Picture 7">
+            <a:extLst>
+              <a:ext uri="{FF2B5EF4-FFF2-40B4-BE49-F238E27FC236}">
+                <a16:creationId xmlns:a16="http://schemas.microsoft.com/office/drawing/2014/main" id="{84BC60E6-8E07-454F-8C29-B69BEAAD17C5}"/>
+              </a:ext>
+            </a:extLst>
+          </p:cNvPr>
+          <p:cNvPicPr>
+            <a:picLocks noChangeAspect="1"/>
+          </p:cNvPicPr>
+          <p:nvPr/>
+        </p:nvPicPr>
+        <p:blipFill>
+          <a:blip r:embed="rId4"/>
+          <a:stretch>
+            <a:fillRect/>
+          </a:stretch>
+        </p:blipFill>
+        <p:spPr>
+          <a:xfrm>
+            <a:off x="6010359" y="4167353"/>
+            <a:ext cx="2292916" cy="2286000"/>
+          </a:xfrm>
+          <a:prstGeom prst="rect">
+            <a:avLst/>
+          </a:prstGeom>
+        </p:spPr>
+      </p:pic>
+      <p:pic>
+        <p:nvPicPr>
+          <p:cNvPr id="9" name="Picture 8">
+            <a:extLst>
+              <a:ext uri="{FF2B5EF4-FFF2-40B4-BE49-F238E27FC236}">
+                <a16:creationId xmlns:a16="http://schemas.microsoft.com/office/drawing/2014/main" id="{685AA0FE-3EE3-4B27-9724-5EF855E721C3}"/>
+              </a:ext>
+            </a:extLst>
+          </p:cNvPr>
+          <p:cNvPicPr>
+            <a:picLocks noChangeAspect="1"/>
+          </p:cNvPicPr>
+          <p:nvPr/>
+        </p:nvPicPr>
+        <p:blipFill>
+          <a:blip r:embed="rId5"/>
+          <a:stretch>
+            <a:fillRect/>
+          </a:stretch>
+        </p:blipFill>
+        <p:spPr>
+          <a:xfrm>
+            <a:off x="8438355" y="4132765"/>
+            <a:ext cx="2282555" cy="2286000"/>
+          </a:xfrm>
+          <a:prstGeom prst="rect">
+            <a:avLst/>
+          </a:prstGeom>
+        </p:spPr>
+      </p:pic>
+      <p:sp>
+        <p:nvSpPr>
+          <p:cNvPr id="10" name="Rectangle 9">
+            <a:extLst>
+              <a:ext uri="{FF2B5EF4-FFF2-40B4-BE49-F238E27FC236}">
+                <a16:creationId xmlns:a16="http://schemas.microsoft.com/office/drawing/2014/main" id="{F344E17E-B8F0-4BF6-8CBE-5A9D1F9F461F}"/>
+              </a:ext>
+            </a:extLst>
+          </p:cNvPr>
+          <p:cNvSpPr/>
+          <p:nvPr/>
+        </p:nvSpPr>
+        <p:spPr>
+          <a:xfrm>
+            <a:off x="1644322" y="2614628"/>
+            <a:ext cx="2111163" cy="877328"/>
+          </a:xfrm>
+          <a:prstGeom prst="rect">
+            <a:avLst/>
+          </a:prstGeom>
+          <a:solidFill>
+            <a:srgbClr val="365422"/>
+          </a:solidFill>
+          <a:ln>
+            <a:solidFill>
+              <a:schemeClr val="bg1"/>
+            </a:solidFill>
+          </a:ln>
+        </p:spPr>
+        <p:style>
+          <a:lnRef idx="2">
+            <a:schemeClr val="accent1">
+              <a:shade val="50000"/>
+            </a:schemeClr>
+          </a:lnRef>
+          <a:fillRef idx="1">
+            <a:schemeClr val="accent1"/>
+          </a:fillRef>
+          <a:effectRef idx="0">
+            <a:schemeClr val="accent1"/>
+          </a:effectRef>
+          <a:fontRef idx="minor">
+            <a:schemeClr val="lt1"/>
+          </a:fontRef>
+        </p:style>
+        <p:txBody>
+          <a:bodyPr rtlCol="0" anchor="ctr"/>
+          <a:lstStyle/>
+          <a:p>
+            <a:pPr algn="ctr"/>
+            <a:r>
+              <a:rPr lang="zh-TW" altLang="en-US" sz="2400" b="1" dirty="0">
+                <a:latin typeface="Microsoft JhengHei" panose="020B0604030504040204" pitchFamily="34" charset="-120"/>
+                <a:ea typeface="Microsoft JhengHei" panose="020B0604030504040204" pitchFamily="34" charset="-120"/>
+              </a:rPr>
+              <a:t>紀錄棋盤</a:t>
+            </a:r>
+            <a:endParaRPr lang="en-US" sz="2400" b="1" dirty="0">
+              <a:latin typeface="Microsoft JhengHei" panose="020B0604030504040204" pitchFamily="34" charset="-120"/>
+              <a:ea typeface="Microsoft JhengHei" panose="020B0604030504040204" pitchFamily="34" charset="-120"/>
+            </a:endParaRPr>
+          </a:p>
+        </p:txBody>
+      </p:sp>
+      <p:sp>
+        <p:nvSpPr>
+          <p:cNvPr id="11" name="Rectangle 10">
+            <a:extLst>
+              <a:ext uri="{FF2B5EF4-FFF2-40B4-BE49-F238E27FC236}">
+                <a16:creationId xmlns:a16="http://schemas.microsoft.com/office/drawing/2014/main" id="{C6D5B968-F321-4C56-9C51-A03DB50AA7E2}"/>
+              </a:ext>
+            </a:extLst>
+          </p:cNvPr>
+          <p:cNvSpPr/>
+          <p:nvPr/>
+        </p:nvSpPr>
+        <p:spPr>
+          <a:xfrm>
+            <a:off x="6035486" y="2493605"/>
+            <a:ext cx="2111163" cy="877328"/>
+          </a:xfrm>
+          <a:prstGeom prst="rect">
+            <a:avLst/>
+          </a:prstGeom>
+          <a:solidFill>
+            <a:srgbClr val="365422"/>
+          </a:solidFill>
+          <a:ln>
+            <a:solidFill>
+              <a:schemeClr val="bg1"/>
+            </a:solidFill>
+          </a:ln>
+        </p:spPr>
+        <p:style>
+          <a:lnRef idx="2">
+            <a:schemeClr val="accent1">
+              <a:shade val="50000"/>
+            </a:schemeClr>
+          </a:lnRef>
+          <a:fillRef idx="1">
+            <a:schemeClr val="accent1"/>
+          </a:fillRef>
+          <a:effectRef idx="0">
+            <a:schemeClr val="accent1"/>
+          </a:effectRef>
+          <a:fontRef idx="minor">
+            <a:schemeClr val="lt1"/>
+          </a:fontRef>
+        </p:style>
+        <p:txBody>
+          <a:bodyPr rtlCol="0" anchor="ctr"/>
+          <a:lstStyle/>
+          <a:p>
+            <a:pPr algn="ctr"/>
+            <a:r>
+              <a:rPr lang="zh-TW" altLang="en-US" sz="2400" b="1" dirty="0">
+                <a:latin typeface="Microsoft JhengHei" panose="020B0604030504040204" pitchFamily="34" charset="-120"/>
+                <a:ea typeface="Microsoft JhengHei" panose="020B0604030504040204" pitchFamily="34" charset="-120"/>
+              </a:rPr>
+              <a:t>處理指令</a:t>
+            </a:r>
+            <a:endParaRPr lang="en-US" sz="2400" b="1" dirty="0">
+              <a:latin typeface="Microsoft JhengHei" panose="020B0604030504040204" pitchFamily="34" charset="-120"/>
+              <a:ea typeface="Microsoft JhengHei" panose="020B0604030504040204" pitchFamily="34" charset="-120"/>
+            </a:endParaRPr>
+          </a:p>
+        </p:txBody>
+      </p:sp>
+      <p:sp>
+        <p:nvSpPr>
+          <p:cNvPr id="12" name="TextBox 11">
+            <a:extLst>
+              <a:ext uri="{FF2B5EF4-FFF2-40B4-BE49-F238E27FC236}">
+                <a16:creationId xmlns:a16="http://schemas.microsoft.com/office/drawing/2014/main" id="{64CD1523-43A6-4658-A3A6-91FEC821BE81}"/>
+              </a:ext>
+            </a:extLst>
+          </p:cNvPr>
+          <p:cNvSpPr txBox="1"/>
+          <p:nvPr/>
+        </p:nvSpPr>
+        <p:spPr>
+          <a:xfrm>
+            <a:off x="838200" y="1690688"/>
+            <a:ext cx="7581499" cy="584775"/>
+          </a:xfrm>
+          <a:prstGeom prst="rect">
+            <a:avLst/>
+          </a:prstGeom>
+          <a:noFill/>
+        </p:spPr>
+        <p:txBody>
+          <a:bodyPr wrap="none" rtlCol="0">
+            <a:spAutoFit/>
+          </a:bodyPr>
+          <a:lstStyle/>
+          <a:p>
+            <a:r>
+              <a:rPr lang="zh-TW" altLang="en-US" sz="3200" dirty="0">
+                <a:solidFill>
+                  <a:schemeClr val="bg1"/>
+                </a:solidFill>
+                <a:latin typeface="Microsoft JhengHei" panose="020B0604030504040204" pitchFamily="34" charset="-120"/>
+                <a:ea typeface="Microsoft JhengHei" panose="020B0604030504040204" pitchFamily="34" charset="-120"/>
+              </a:rPr>
+              <a:t>以 </a:t>
+            </a:r>
+            <a:r>
+              <a:rPr lang="en-US" altLang="zh-TW" sz="3200" dirty="0">
+                <a:solidFill>
+                  <a:schemeClr val="bg1"/>
+                </a:solidFill>
+                <a:latin typeface="Microsoft JhengHei" panose="020B0604030504040204" pitchFamily="34" charset="-120"/>
+                <a:ea typeface="Microsoft JhengHei" panose="020B0604030504040204" pitchFamily="34" charset="-120"/>
+              </a:rPr>
+              <a:t>JavaScript</a:t>
+            </a:r>
+            <a:r>
+              <a:rPr lang="zh-TW" altLang="en-US" sz="3200" dirty="0">
+                <a:solidFill>
+                  <a:schemeClr val="bg1"/>
+                </a:solidFill>
+                <a:latin typeface="Microsoft JhengHei" panose="020B0604030504040204" pitchFamily="34" charset="-120"/>
+                <a:ea typeface="Microsoft JhengHei" panose="020B0604030504040204" pitchFamily="34" charset="-120"/>
+              </a:rPr>
+              <a:t> 撰寫，在 </a:t>
+            </a:r>
+            <a:r>
+              <a:rPr lang="en-US" altLang="zh-TW" sz="3200" dirty="0">
+                <a:solidFill>
+                  <a:schemeClr val="bg1"/>
+                </a:solidFill>
+                <a:latin typeface="Microsoft JhengHei" panose="020B0604030504040204" pitchFamily="34" charset="-120"/>
+                <a:ea typeface="Microsoft JhengHei" panose="020B0604030504040204" pitchFamily="34" charset="-120"/>
+              </a:rPr>
+              <a:t>node.js </a:t>
+            </a:r>
+            <a:r>
+              <a:rPr lang="zh-TW" altLang="en-US" sz="3200" dirty="0">
+                <a:solidFill>
+                  <a:schemeClr val="bg1"/>
+                </a:solidFill>
+                <a:latin typeface="Microsoft JhengHei" panose="020B0604030504040204" pitchFamily="34" charset="-120"/>
+                <a:ea typeface="Microsoft JhengHei" panose="020B0604030504040204" pitchFamily="34" charset="-120"/>
+              </a:rPr>
+              <a:t>環境執行</a:t>
+            </a:r>
+            <a:endParaRPr lang="en-US" sz="3200" dirty="0">
+              <a:solidFill>
+                <a:schemeClr val="bg1"/>
+              </a:solidFill>
               <a:latin typeface="Microsoft JhengHei" panose="020B0604030504040204" pitchFamily="34" charset="-120"/>
               <a:ea typeface="Microsoft JhengHei" panose="020B0604030504040204" pitchFamily="34" charset="-120"/>
             </a:endParaRPr>
@@ -4571,16 +5721,24 @@
             <p:ph type="title"/>
           </p:nvPr>
         </p:nvSpPr>
-        <p:spPr/>
-        <p:txBody>
-          <a:bodyPr/>
-          <a:lstStyle/>
-          <a:p>
-            <a:r>
-              <a:rPr lang="en-US" altLang="zh-TW" dirty="0"/>
+        <p:spPr>
+          <a:xfrm>
+            <a:off x="838200" y="2766218"/>
+            <a:ext cx="10515600" cy="1325563"/>
+          </a:xfrm>
+        </p:spPr>
+        <p:txBody>
+          <a:bodyPr>
+            <a:normAutofit/>
+          </a:bodyPr>
+          <a:lstStyle/>
+          <a:p>
+            <a:pPr algn="ctr"/>
+            <a:r>
+              <a:rPr lang="en-US" altLang="zh-TW" sz="8800" dirty="0"/>
               <a:t>Demo</a:t>
             </a:r>
-            <a:endParaRPr lang="en-US" dirty="0"/>
+            <a:endParaRPr lang="en-US" sz="8800" dirty="0"/>
           </a:p>
         </p:txBody>
       </p:sp>
@@ -4645,26 +5803,485 @@
       </p:sp>
       <p:sp>
         <p:nvSpPr>
-          <p:cNvPr id="3" name="Content Placeholder 2">
-            <a:extLst>
-              <a:ext uri="{FF2B5EF4-FFF2-40B4-BE49-F238E27FC236}">
-                <a16:creationId xmlns:a16="http://schemas.microsoft.com/office/drawing/2014/main" id="{615E72D0-07A9-4D88-883B-BC26A47B6DD4}"/>
-              </a:ext>
-            </a:extLst>
-          </p:cNvPr>
-          <p:cNvSpPr>
-            <a:spLocks noGrp="1"/>
-          </p:cNvSpPr>
-          <p:nvPr>
-            <p:ph idx="1"/>
-          </p:nvPr>
-        </p:nvSpPr>
-        <p:spPr/>
-        <p:txBody>
-          <a:bodyPr/>
-          <a:lstStyle/>
-          <a:p>
-            <a:endParaRPr lang="en-US"/>
+          <p:cNvPr id="4" name="Rectangle 3">
+            <a:extLst>
+              <a:ext uri="{FF2B5EF4-FFF2-40B4-BE49-F238E27FC236}">
+                <a16:creationId xmlns:a16="http://schemas.microsoft.com/office/drawing/2014/main" id="{019CD5DA-AAFE-4688-B319-F62D102FDF25}"/>
+              </a:ext>
+            </a:extLst>
+          </p:cNvPr>
+          <p:cNvSpPr/>
+          <p:nvPr/>
+        </p:nvSpPr>
+        <p:spPr>
+          <a:xfrm>
+            <a:off x="962581" y="1992468"/>
+            <a:ext cx="2251266" cy="542303"/>
+          </a:xfrm>
+          <a:prstGeom prst="rect">
+            <a:avLst/>
+          </a:prstGeom>
+          <a:solidFill>
+            <a:srgbClr val="365422"/>
+          </a:solidFill>
+          <a:ln>
+            <a:solidFill>
+              <a:schemeClr val="bg1"/>
+            </a:solidFill>
+          </a:ln>
+        </p:spPr>
+        <p:style>
+          <a:lnRef idx="2">
+            <a:schemeClr val="accent1">
+              <a:shade val="50000"/>
+            </a:schemeClr>
+          </a:lnRef>
+          <a:fillRef idx="1">
+            <a:schemeClr val="accent1"/>
+          </a:fillRef>
+          <a:effectRef idx="0">
+            <a:schemeClr val="accent1"/>
+          </a:effectRef>
+          <a:fontRef idx="minor">
+            <a:schemeClr val="lt1"/>
+          </a:fontRef>
+        </p:style>
+        <p:txBody>
+          <a:bodyPr rtlCol="0" anchor="ctr"/>
+          <a:lstStyle/>
+          <a:p>
+            <a:pPr algn="ctr"/>
+            <a:r>
+              <a:rPr lang="zh-TW" altLang="en-US" b="1" dirty="0">
+                <a:latin typeface="Microsoft JhengHei" panose="020B0604030504040204" pitchFamily="34" charset="-120"/>
+                <a:ea typeface="Microsoft JhengHei" panose="020B0604030504040204" pitchFamily="34" charset="-120"/>
+              </a:rPr>
+              <a:t>建立完整遊玩體驗</a:t>
+            </a:r>
+            <a:endParaRPr lang="en-US" sz="2400" b="1" dirty="0">
+              <a:latin typeface="Microsoft JhengHei" panose="020B0604030504040204" pitchFamily="34" charset="-120"/>
+              <a:ea typeface="Microsoft JhengHei" panose="020B0604030504040204" pitchFamily="34" charset="-120"/>
+            </a:endParaRPr>
+          </a:p>
+        </p:txBody>
+      </p:sp>
+      <p:sp>
+        <p:nvSpPr>
+          <p:cNvPr id="5" name="TextBox 4">
+            <a:extLst>
+              <a:ext uri="{FF2B5EF4-FFF2-40B4-BE49-F238E27FC236}">
+                <a16:creationId xmlns:a16="http://schemas.microsoft.com/office/drawing/2014/main" id="{DE75752A-BADF-4AF0-9800-E3E95EAD61BC}"/>
+              </a:ext>
+            </a:extLst>
+          </p:cNvPr>
+          <p:cNvSpPr txBox="1"/>
+          <p:nvPr/>
+        </p:nvSpPr>
+        <p:spPr>
+          <a:xfrm>
+            <a:off x="3429000" y="2044138"/>
+            <a:ext cx="6877075" cy="369332"/>
+          </a:xfrm>
+          <a:prstGeom prst="rect">
+            <a:avLst/>
+          </a:prstGeom>
+          <a:noFill/>
+        </p:spPr>
+        <p:txBody>
+          <a:bodyPr wrap="none" rtlCol="0">
+            <a:spAutoFit/>
+          </a:bodyPr>
+          <a:lstStyle/>
+          <a:p>
+            <a:r>
+              <a:rPr lang="zh-TW" altLang="en-US" dirty="0">
+                <a:solidFill>
+                  <a:schemeClr val="bg1"/>
+                </a:solidFill>
+                <a:latin typeface="Microsoft JhengHei" panose="020B0604030504040204" pitchFamily="34" charset="-120"/>
+                <a:ea typeface="Microsoft JhengHei" panose="020B0604030504040204" pitchFamily="34" charset="-120"/>
+              </a:rPr>
+              <a:t>使用者連上 </a:t>
+            </a:r>
+            <a:r>
+              <a:rPr lang="en-US" altLang="zh-TW" dirty="0">
+                <a:solidFill>
+                  <a:schemeClr val="bg1"/>
+                </a:solidFill>
+                <a:latin typeface="Microsoft JhengHei" panose="020B0604030504040204" pitchFamily="34" charset="-120"/>
+                <a:ea typeface="Microsoft JhengHei" panose="020B0604030504040204" pitchFamily="34" charset="-120"/>
+              </a:rPr>
+              <a:t>server </a:t>
+            </a:r>
+            <a:r>
+              <a:rPr lang="zh-TW" altLang="en-US" dirty="0">
+                <a:solidFill>
+                  <a:schemeClr val="bg1"/>
+                </a:solidFill>
+                <a:latin typeface="Microsoft JhengHei" panose="020B0604030504040204" pitchFamily="34" charset="-120"/>
+                <a:ea typeface="Microsoft JhengHei" panose="020B0604030504040204" pitchFamily="34" charset="-120"/>
+              </a:rPr>
+              <a:t>之後可以隨意找人對弈，不用侷限在一場之內</a:t>
+            </a:r>
+            <a:endParaRPr lang="en-US" dirty="0">
+              <a:solidFill>
+                <a:schemeClr val="bg1"/>
+              </a:solidFill>
+              <a:latin typeface="Microsoft JhengHei" panose="020B0604030504040204" pitchFamily="34" charset="-120"/>
+              <a:ea typeface="Microsoft JhengHei" panose="020B0604030504040204" pitchFamily="34" charset="-120"/>
+            </a:endParaRPr>
+          </a:p>
+        </p:txBody>
+      </p:sp>
+      <p:sp>
+        <p:nvSpPr>
+          <p:cNvPr id="6" name="Rectangle 5">
+            <a:extLst>
+              <a:ext uri="{FF2B5EF4-FFF2-40B4-BE49-F238E27FC236}">
+                <a16:creationId xmlns:a16="http://schemas.microsoft.com/office/drawing/2014/main" id="{6E6246E6-EB86-42BE-9FED-5DB69CB43B5E}"/>
+              </a:ext>
+            </a:extLst>
+          </p:cNvPr>
+          <p:cNvSpPr/>
+          <p:nvPr/>
+        </p:nvSpPr>
+        <p:spPr>
+          <a:xfrm>
+            <a:off x="962581" y="3136252"/>
+            <a:ext cx="2251266" cy="542303"/>
+          </a:xfrm>
+          <a:prstGeom prst="rect">
+            <a:avLst/>
+          </a:prstGeom>
+          <a:solidFill>
+            <a:srgbClr val="365422"/>
+          </a:solidFill>
+          <a:ln>
+            <a:solidFill>
+              <a:schemeClr val="bg1"/>
+            </a:solidFill>
+          </a:ln>
+        </p:spPr>
+        <p:style>
+          <a:lnRef idx="2">
+            <a:schemeClr val="accent1">
+              <a:shade val="50000"/>
+            </a:schemeClr>
+          </a:lnRef>
+          <a:fillRef idx="1">
+            <a:schemeClr val="accent1"/>
+          </a:fillRef>
+          <a:effectRef idx="0">
+            <a:schemeClr val="accent1"/>
+          </a:effectRef>
+          <a:fontRef idx="minor">
+            <a:schemeClr val="lt1"/>
+          </a:fontRef>
+        </p:style>
+        <p:txBody>
+          <a:bodyPr rtlCol="0" anchor="ctr"/>
+          <a:lstStyle/>
+          <a:p>
+            <a:pPr algn="ctr"/>
+            <a:r>
+              <a:rPr lang="zh-TW" altLang="en-US" b="1" dirty="0">
+                <a:latin typeface="Microsoft JhengHei" panose="020B0604030504040204" pitchFamily="34" charset="-120"/>
+                <a:ea typeface="Microsoft JhengHei" panose="020B0604030504040204" pitchFamily="34" charset="-120"/>
+              </a:rPr>
+              <a:t>優化玩家局內體驗</a:t>
+            </a:r>
+          </a:p>
+        </p:txBody>
+      </p:sp>
+      <p:sp>
+        <p:nvSpPr>
+          <p:cNvPr id="7" name="Rectangle 6">
+            <a:extLst>
+              <a:ext uri="{FF2B5EF4-FFF2-40B4-BE49-F238E27FC236}">
+                <a16:creationId xmlns:a16="http://schemas.microsoft.com/office/drawing/2014/main" id="{AE77597B-4D6D-4017-A24E-04F79EFBF610}"/>
+              </a:ext>
+            </a:extLst>
+          </p:cNvPr>
+          <p:cNvSpPr/>
+          <p:nvPr/>
+        </p:nvSpPr>
+        <p:spPr>
+          <a:xfrm>
+            <a:off x="3429000" y="3254055"/>
+            <a:ext cx="6096000" cy="369332"/>
+          </a:xfrm>
+          <a:prstGeom prst="rect">
+            <a:avLst/>
+          </a:prstGeom>
+        </p:spPr>
+        <p:txBody>
+          <a:bodyPr>
+            <a:spAutoFit/>
+          </a:bodyPr>
+          <a:lstStyle/>
+          <a:p>
+            <a:r>
+              <a:rPr lang="zh-TW" altLang="en-US" dirty="0">
+                <a:solidFill>
+                  <a:schemeClr val="bg1"/>
+                </a:solidFill>
+                <a:latin typeface="Microsoft JhengHei" panose="020B0604030504040204" pitchFamily="34" charset="-120"/>
+                <a:ea typeface="Microsoft JhengHei" panose="020B0604030504040204" pitchFamily="34" charset="-120"/>
+              </a:rPr>
+              <a:t>提示對手走的步、紀錄死棋、判斷 </a:t>
+            </a:r>
+            <a:r>
+              <a:rPr lang="en-US" altLang="zh-TW" dirty="0">
+                <a:solidFill>
+                  <a:schemeClr val="bg1"/>
+                </a:solidFill>
+                <a:latin typeface="Microsoft JhengHei" panose="020B0604030504040204" pitchFamily="34" charset="-120"/>
+                <a:ea typeface="Microsoft JhengHei" panose="020B0604030504040204" pitchFamily="34" charset="-120"/>
+              </a:rPr>
+              <a:t>Check</a:t>
+            </a:r>
+            <a:r>
+              <a:rPr lang="zh-TW" altLang="en-US" dirty="0">
+                <a:solidFill>
+                  <a:schemeClr val="bg1"/>
+                </a:solidFill>
+                <a:latin typeface="Microsoft JhengHei" panose="020B0604030504040204" pitchFamily="34" charset="-120"/>
+                <a:ea typeface="Microsoft JhengHei" panose="020B0604030504040204" pitchFamily="34" charset="-120"/>
+              </a:rPr>
+              <a:t>、實作進階規則</a:t>
+            </a:r>
+            <a:endParaRPr lang="en-US" dirty="0">
+              <a:solidFill>
+                <a:schemeClr val="bg1"/>
+              </a:solidFill>
+              <a:latin typeface="Microsoft JhengHei" panose="020B0604030504040204" pitchFamily="34" charset="-120"/>
+              <a:ea typeface="Microsoft JhengHei" panose="020B0604030504040204" pitchFamily="34" charset="-120"/>
+            </a:endParaRPr>
+          </a:p>
+        </p:txBody>
+      </p:sp>
+      <p:sp>
+        <p:nvSpPr>
+          <p:cNvPr id="8" name="Rectangle 7">
+            <a:extLst>
+              <a:ext uri="{FF2B5EF4-FFF2-40B4-BE49-F238E27FC236}">
+                <a16:creationId xmlns:a16="http://schemas.microsoft.com/office/drawing/2014/main" id="{17D03A29-DD94-429B-93E7-65C98C0FED19}"/>
+              </a:ext>
+            </a:extLst>
+          </p:cNvPr>
+          <p:cNvSpPr/>
+          <p:nvPr/>
+        </p:nvSpPr>
+        <p:spPr>
+          <a:xfrm>
+            <a:off x="962581" y="4280036"/>
+            <a:ext cx="2251266" cy="542303"/>
+          </a:xfrm>
+          <a:prstGeom prst="rect">
+            <a:avLst/>
+          </a:prstGeom>
+          <a:solidFill>
+            <a:srgbClr val="365422"/>
+          </a:solidFill>
+          <a:ln>
+            <a:solidFill>
+              <a:schemeClr val="bg1"/>
+            </a:solidFill>
+          </a:ln>
+        </p:spPr>
+        <p:style>
+          <a:lnRef idx="2">
+            <a:schemeClr val="accent1">
+              <a:shade val="50000"/>
+            </a:schemeClr>
+          </a:lnRef>
+          <a:fillRef idx="1">
+            <a:schemeClr val="accent1"/>
+          </a:fillRef>
+          <a:effectRef idx="0">
+            <a:schemeClr val="accent1"/>
+          </a:effectRef>
+          <a:fontRef idx="minor">
+            <a:schemeClr val="lt1"/>
+          </a:fontRef>
+        </p:style>
+        <p:txBody>
+          <a:bodyPr rtlCol="0" anchor="ctr"/>
+          <a:lstStyle/>
+          <a:p>
+            <a:pPr algn="ctr"/>
+            <a:r>
+              <a:rPr lang="zh-TW" altLang="en-US" b="1" dirty="0">
+                <a:latin typeface="Microsoft JhengHei" panose="020B0604030504040204" pitchFamily="34" charset="-120"/>
+                <a:ea typeface="Microsoft JhengHei" panose="020B0604030504040204" pitchFamily="34" charset="-120"/>
+              </a:rPr>
+              <a:t>前後端邏輯分配優化</a:t>
+            </a:r>
+          </a:p>
+        </p:txBody>
+      </p:sp>
+      <p:sp>
+        <p:nvSpPr>
+          <p:cNvPr id="10" name="Rectangle 9">
+            <a:extLst>
+              <a:ext uri="{FF2B5EF4-FFF2-40B4-BE49-F238E27FC236}">
+                <a16:creationId xmlns:a16="http://schemas.microsoft.com/office/drawing/2014/main" id="{3017D7BA-4BBF-47A6-A4D7-C22E11412E47}"/>
+              </a:ext>
+            </a:extLst>
+          </p:cNvPr>
+          <p:cNvSpPr/>
+          <p:nvPr/>
+        </p:nvSpPr>
+        <p:spPr>
+          <a:xfrm>
+            <a:off x="3429000" y="4366521"/>
+            <a:ext cx="6096000" cy="369332"/>
+          </a:xfrm>
+          <a:prstGeom prst="rect">
+            <a:avLst/>
+          </a:prstGeom>
+        </p:spPr>
+        <p:txBody>
+          <a:bodyPr>
+            <a:spAutoFit/>
+          </a:bodyPr>
+          <a:lstStyle/>
+          <a:p>
+            <a:r>
+              <a:rPr lang="zh-TW" altLang="en-US" dirty="0">
+                <a:solidFill>
+                  <a:schemeClr val="bg1"/>
+                </a:solidFill>
+                <a:latin typeface="Microsoft JhengHei" panose="020B0604030504040204" pitchFamily="34" charset="-120"/>
+                <a:ea typeface="Microsoft JhengHei" panose="020B0604030504040204" pitchFamily="34" charset="-120"/>
+              </a:rPr>
+              <a:t>讓程式更便於維護</a:t>
+            </a:r>
+            <a:endParaRPr lang="en-US" dirty="0">
+              <a:solidFill>
+                <a:schemeClr val="bg1"/>
+              </a:solidFill>
+              <a:latin typeface="Microsoft JhengHei" panose="020B0604030504040204" pitchFamily="34" charset="-120"/>
+              <a:ea typeface="Microsoft JhengHei" panose="020B0604030504040204" pitchFamily="34" charset="-120"/>
+            </a:endParaRPr>
+          </a:p>
+        </p:txBody>
+      </p:sp>
+      <p:sp>
+        <p:nvSpPr>
+          <p:cNvPr id="11" name="Rectangle 10">
+            <a:extLst>
+              <a:ext uri="{FF2B5EF4-FFF2-40B4-BE49-F238E27FC236}">
+                <a16:creationId xmlns:a16="http://schemas.microsoft.com/office/drawing/2014/main" id="{0488AC0F-AB61-4D9A-93DC-6EAC336F50D8}"/>
+              </a:ext>
+            </a:extLst>
+          </p:cNvPr>
+          <p:cNvSpPr/>
+          <p:nvPr/>
+        </p:nvSpPr>
+        <p:spPr>
+          <a:xfrm>
+            <a:off x="962581" y="5346775"/>
+            <a:ext cx="2251266" cy="542303"/>
+          </a:xfrm>
+          <a:prstGeom prst="rect">
+            <a:avLst/>
+          </a:prstGeom>
+          <a:solidFill>
+            <a:srgbClr val="365422"/>
+          </a:solidFill>
+          <a:ln>
+            <a:solidFill>
+              <a:schemeClr val="bg1"/>
+            </a:solidFill>
+          </a:ln>
+        </p:spPr>
+        <p:style>
+          <a:lnRef idx="2">
+            <a:schemeClr val="accent1">
+              <a:shade val="50000"/>
+            </a:schemeClr>
+          </a:lnRef>
+          <a:fillRef idx="1">
+            <a:schemeClr val="accent1"/>
+          </a:fillRef>
+          <a:effectRef idx="0">
+            <a:schemeClr val="accent1"/>
+          </a:effectRef>
+          <a:fontRef idx="minor">
+            <a:schemeClr val="lt1"/>
+          </a:fontRef>
+        </p:style>
+        <p:txBody>
+          <a:bodyPr rtlCol="0" anchor="ctr"/>
+          <a:lstStyle/>
+          <a:p>
+            <a:pPr algn="ctr"/>
+            <a:r>
+              <a:rPr lang="en-US" b="1" dirty="0"/>
+              <a:t>Deploy server</a:t>
+            </a:r>
+            <a:endParaRPr lang="zh-TW" altLang="en-US" b="1" dirty="0">
+              <a:latin typeface="Microsoft JhengHei" panose="020B0604030504040204" pitchFamily="34" charset="-120"/>
+              <a:ea typeface="Microsoft JhengHei" panose="020B0604030504040204" pitchFamily="34" charset="-120"/>
+            </a:endParaRPr>
+          </a:p>
+        </p:txBody>
+      </p:sp>
+      <p:sp>
+        <p:nvSpPr>
+          <p:cNvPr id="13" name="Rectangle 12">
+            <a:extLst>
+              <a:ext uri="{FF2B5EF4-FFF2-40B4-BE49-F238E27FC236}">
+                <a16:creationId xmlns:a16="http://schemas.microsoft.com/office/drawing/2014/main" id="{29D3B682-3652-4492-A7BC-CD47425D7D14}"/>
+              </a:ext>
+            </a:extLst>
+          </p:cNvPr>
+          <p:cNvSpPr/>
+          <p:nvPr/>
+        </p:nvSpPr>
+        <p:spPr>
+          <a:xfrm>
+            <a:off x="3429000" y="5433260"/>
+            <a:ext cx="6096000" cy="369332"/>
+          </a:xfrm>
+          <a:prstGeom prst="rect">
+            <a:avLst/>
+          </a:prstGeom>
+        </p:spPr>
+        <p:txBody>
+          <a:bodyPr>
+            <a:spAutoFit/>
+          </a:bodyPr>
+          <a:lstStyle/>
+          <a:p>
+            <a:r>
+              <a:rPr lang="zh-TW" altLang="en-US" dirty="0">
+                <a:solidFill>
+                  <a:schemeClr val="bg1"/>
+                </a:solidFill>
+                <a:latin typeface="Microsoft JhengHei" panose="020B0604030504040204" pitchFamily="34" charset="-120"/>
+                <a:ea typeface="Microsoft JhengHei" panose="020B0604030504040204" pitchFamily="34" charset="-120"/>
+              </a:rPr>
+              <a:t>讓人們能隨時遊玩，不用受限於要自己開 </a:t>
+            </a:r>
+            <a:r>
+              <a:rPr lang="en-US" altLang="zh-TW" dirty="0">
+                <a:solidFill>
+                  <a:schemeClr val="bg1"/>
+                </a:solidFill>
+                <a:latin typeface="Microsoft JhengHei" panose="020B0604030504040204" pitchFamily="34" charset="-120"/>
+                <a:ea typeface="Microsoft JhengHei" panose="020B0604030504040204" pitchFamily="34" charset="-120"/>
+              </a:rPr>
+              <a:t>server</a:t>
+            </a:r>
+            <a:endParaRPr lang="en-US" dirty="0">
+              <a:solidFill>
+                <a:schemeClr val="bg1"/>
+              </a:solidFill>
+              <a:latin typeface="Microsoft JhengHei" panose="020B0604030504040204" pitchFamily="34" charset="-120"/>
+              <a:ea typeface="Microsoft JhengHei" panose="020B0604030504040204" pitchFamily="34" charset="-120"/>
+            </a:endParaRPr>
           </a:p>
         </p:txBody>
       </p:sp>
@@ -4743,12 +6360,24 @@
             <p:ph idx="1"/>
           </p:nvPr>
         </p:nvSpPr>
-        <p:spPr/>
+        <p:spPr>
+          <a:xfrm>
+            <a:off x="649941" y="2965075"/>
+            <a:ext cx="10515600" cy="1040187"/>
+          </a:xfrm>
+        </p:spPr>
         <p:txBody>
           <a:bodyPr/>
           <a:lstStyle/>
           <a:p>
-            <a:endParaRPr lang="en-US"/>
+            <a:pPr marL="0" indent="0" algn="ctr">
+              <a:buNone/>
+            </a:pPr>
+            <a:r>
+              <a:rPr lang="zh-TW" altLang="en-US" dirty="0"/>
+              <a:t>網路真是博大精深阿</a:t>
+            </a:r>
+            <a:endParaRPr lang="en-US" dirty="0"/>
           </a:p>
         </p:txBody>
       </p:sp>
@@ -5058,4 +6687,299 @@
     </a:ext>
   </a:extLst>
 </a:theme>
+</file>
+
+<file path=ppt/theme/theme2.xml><?xml version="1.0" encoding="utf-8"?>
+<a:theme xmlns:a="http://schemas.openxmlformats.org/drawingml/2006/main" name="Office Theme">
+  <a:themeElements>
+    <a:clrScheme name="Office">
+      <a:dk1>
+        <a:sysClr val="windowText" lastClr="000000"/>
+      </a:dk1>
+      <a:lt1>
+        <a:sysClr val="window" lastClr="FFFFFF"/>
+      </a:lt1>
+      <a:dk2>
+        <a:srgbClr val="44546A"/>
+      </a:dk2>
+      <a:lt2>
+        <a:srgbClr val="E7E6E6"/>
+      </a:lt2>
+      <a:accent1>
+        <a:srgbClr val="4472C4"/>
+      </a:accent1>
+      <a:accent2>
+        <a:srgbClr val="ED7D31"/>
+      </a:accent2>
+      <a:accent3>
+        <a:srgbClr val="A5A5A5"/>
+      </a:accent3>
+      <a:accent4>
+        <a:srgbClr val="FFC000"/>
+      </a:accent4>
+      <a:accent5>
+        <a:srgbClr val="5B9BD5"/>
+      </a:accent5>
+      <a:accent6>
+        <a:srgbClr val="70AD47"/>
+      </a:accent6>
+      <a:hlink>
+        <a:srgbClr val="0563C1"/>
+      </a:hlink>
+      <a:folHlink>
+        <a:srgbClr val="954F72"/>
+      </a:folHlink>
+    </a:clrScheme>
+    <a:fontScheme name="Office">
+      <a:majorFont>
+        <a:latin typeface="Calibri Light" panose="020F0302020204030204"/>
+        <a:ea typeface=""/>
+        <a:cs typeface=""/>
+        <a:font script="Jpan" typeface="游ゴシック Light"/>
+        <a:font script="Hang" typeface="맑은 고딕"/>
+        <a:font script="Hans" typeface="等线 Light"/>
+        <a:font script="Hant" typeface="新細明體"/>
+        <a:font script="Arab" typeface="Times New Roman"/>
+        <a:font script="Hebr" typeface="Times New Roman"/>
+        <a:font script="Thai" typeface="Angsana New"/>
+        <a:font script="Ethi" typeface="Nyala"/>
+        <a:font script="Beng" typeface="Vrinda"/>
+        <a:font script="Gujr" typeface="Shruti"/>
+        <a:font script="Khmr" typeface="MoolBoran"/>
+        <a:font script="Knda" typeface="Tunga"/>
+        <a:font script="Guru" typeface="Raavi"/>
+        <a:font script="Cans" typeface="Euphemia"/>
+        <a:font script="Cher" typeface="Plantagenet Cherokee"/>
+        <a:font script="Yiii" typeface="Microsoft Yi Baiti"/>
+        <a:font script="Tibt" typeface="Microsoft Himalaya"/>
+        <a:font script="Thaa" typeface="MV Boli"/>
+        <a:font script="Deva" typeface="Mangal"/>
+        <a:font script="Telu" typeface="Gautami"/>
+        <a:font script="Taml" typeface="Latha"/>
+        <a:font script="Syrc" typeface="Estrangelo Edessa"/>
+        <a:font script="Orya" typeface="Kalinga"/>
+        <a:font script="Mlym" typeface="Kartika"/>
+        <a:font script="Laoo" typeface="DokChampa"/>
+        <a:font script="Sinh" typeface="Iskoola Pota"/>
+        <a:font script="Mong" typeface="Mongolian Baiti"/>
+        <a:font script="Viet" typeface="Times New Roman"/>
+        <a:font script="Uigh" typeface="Microsoft Uighur"/>
+        <a:font script="Geor" typeface="Sylfaen"/>
+        <a:font script="Armn" typeface="Arial"/>
+        <a:font script="Bugi" typeface="Leelawadee UI"/>
+        <a:font script="Bopo" typeface="Microsoft JhengHei"/>
+        <a:font script="Java" typeface="Javanese Text"/>
+        <a:font script="Lisu" typeface="Segoe UI"/>
+        <a:font script="Mymr" typeface="Myanmar Text"/>
+        <a:font script="Nkoo" typeface="Ebrima"/>
+        <a:font script="Olck" typeface="Nirmala UI"/>
+        <a:font script="Osma" typeface="Ebrima"/>
+        <a:font script="Phag" typeface="Phagspa"/>
+        <a:font script="Syrn" typeface="Estrangelo Edessa"/>
+        <a:font script="Syrj" typeface="Estrangelo Edessa"/>
+        <a:font script="Syre" typeface="Estrangelo Edessa"/>
+        <a:font script="Sora" typeface="Nirmala UI"/>
+        <a:font script="Tale" typeface="Microsoft Tai Le"/>
+        <a:font script="Talu" typeface="Microsoft New Tai Lue"/>
+        <a:font script="Tfng" typeface="Ebrima"/>
+      </a:majorFont>
+      <a:minorFont>
+        <a:latin typeface="Calibri" panose="020F0502020204030204"/>
+        <a:ea typeface=""/>
+        <a:cs typeface=""/>
+        <a:font script="Jpan" typeface="游ゴシック"/>
+        <a:font script="Hang" typeface="맑은 고딕"/>
+        <a:font script="Hans" typeface="等线"/>
+        <a:font script="Hant" typeface="新細明體"/>
+        <a:font script="Arab" typeface="Arial"/>
+        <a:font script="Hebr" typeface="Arial"/>
+        <a:font script="Thai" typeface="Cordia New"/>
+        <a:font script="Ethi" typeface="Nyala"/>
+        <a:font script="Beng" typeface="Vrinda"/>
+        <a:font script="Gujr" typeface="Shruti"/>
+        <a:font script="Khmr" typeface="DaunPenh"/>
+        <a:font script="Knda" typeface="Tunga"/>
+        <a:font script="Guru" typeface="Raavi"/>
+        <a:font script="Cans" typeface="Euphemia"/>
+        <a:font script="Cher" typeface="Plantagenet Cherokee"/>
+        <a:font script="Yiii" typeface="Microsoft Yi Baiti"/>
+        <a:font script="Tibt" typeface="Microsoft Himalaya"/>
+        <a:font script="Thaa" typeface="MV Boli"/>
+        <a:font script="Deva" typeface="Mangal"/>
+        <a:font script="Telu" typeface="Gautami"/>
+        <a:font script="Taml" typeface="Latha"/>
+        <a:font script="Syrc" typeface="Estrangelo Edessa"/>
+        <a:font script="Orya" typeface="Kalinga"/>
+        <a:font script="Mlym" typeface="Kartika"/>
+        <a:font script="Laoo" typeface="DokChampa"/>
+        <a:font script="Sinh" typeface="Iskoola Pota"/>
+        <a:font script="Mong" typeface="Mongolian Baiti"/>
+        <a:font script="Viet" typeface="Arial"/>
+        <a:font script="Uigh" typeface="Microsoft Uighur"/>
+        <a:font script="Geor" typeface="Sylfaen"/>
+        <a:font script="Armn" typeface="Arial"/>
+        <a:font script="Bugi" typeface="Leelawadee UI"/>
+        <a:font script="Bopo" typeface="Microsoft JhengHei"/>
+        <a:font script="Java" typeface="Javanese Text"/>
+        <a:font script="Lisu" typeface="Segoe UI"/>
+        <a:font script="Mymr" typeface="Myanmar Text"/>
+        <a:font script="Nkoo" typeface="Ebrima"/>
+        <a:font script="Olck" typeface="Nirmala UI"/>
+        <a:font script="Osma" typeface="Ebrima"/>
+        <a:font script="Phag" typeface="Phagspa"/>
+        <a:font script="Syrn" typeface="Estrangelo Edessa"/>
+        <a:font script="Syrj" typeface="Estrangelo Edessa"/>
+        <a:font script="Syre" typeface="Estrangelo Edessa"/>
+        <a:font script="Sora" typeface="Nirmala UI"/>
+        <a:font script="Tale" typeface="Microsoft Tai Le"/>
+        <a:font script="Talu" typeface="Microsoft New Tai Lue"/>
+        <a:font script="Tfng" typeface="Ebrima"/>
+      </a:minorFont>
+    </a:fontScheme>
+    <a:fmtScheme name="Office">
+      <a:fillStyleLst>
+        <a:solidFill>
+          <a:schemeClr val="phClr"/>
+        </a:solidFill>
+        <a:gradFill rotWithShape="1">
+          <a:gsLst>
+            <a:gs pos="0">
+              <a:schemeClr val="phClr">
+                <a:lumMod val="110000"/>
+                <a:satMod val="105000"/>
+                <a:tint val="67000"/>
+              </a:schemeClr>
+            </a:gs>
+            <a:gs pos="50000">
+              <a:schemeClr val="phClr">
+                <a:lumMod val="105000"/>
+                <a:satMod val="103000"/>
+                <a:tint val="73000"/>
+              </a:schemeClr>
+            </a:gs>
+            <a:gs pos="100000">
+              <a:schemeClr val="phClr">
+                <a:lumMod val="105000"/>
+                <a:satMod val="109000"/>
+                <a:tint val="81000"/>
+              </a:schemeClr>
+            </a:gs>
+          </a:gsLst>
+          <a:lin ang="5400000" scaled="0"/>
+        </a:gradFill>
+        <a:gradFill rotWithShape="1">
+          <a:gsLst>
+            <a:gs pos="0">
+              <a:schemeClr val="phClr">
+                <a:satMod val="103000"/>
+                <a:lumMod val="102000"/>
+                <a:tint val="94000"/>
+              </a:schemeClr>
+            </a:gs>
+            <a:gs pos="50000">
+              <a:schemeClr val="phClr">
+                <a:satMod val="110000"/>
+                <a:lumMod val="100000"/>
+                <a:shade val="100000"/>
+              </a:schemeClr>
+            </a:gs>
+            <a:gs pos="100000">
+              <a:schemeClr val="phClr">
+                <a:lumMod val="99000"/>
+                <a:satMod val="120000"/>
+                <a:shade val="78000"/>
+              </a:schemeClr>
+            </a:gs>
+          </a:gsLst>
+          <a:lin ang="5400000" scaled="0"/>
+        </a:gradFill>
+      </a:fillStyleLst>
+      <a:lnStyleLst>
+        <a:ln w="6350" cap="flat" cmpd="sng" algn="ctr">
+          <a:solidFill>
+            <a:schemeClr val="phClr"/>
+          </a:solidFill>
+          <a:prstDash val="solid"/>
+          <a:miter lim="800000"/>
+        </a:ln>
+        <a:ln w="12700" cap="flat" cmpd="sng" algn="ctr">
+          <a:solidFill>
+            <a:schemeClr val="phClr"/>
+          </a:solidFill>
+          <a:prstDash val="solid"/>
+          <a:miter lim="800000"/>
+        </a:ln>
+        <a:ln w="19050" cap="flat" cmpd="sng" algn="ctr">
+          <a:solidFill>
+            <a:schemeClr val="phClr"/>
+          </a:solidFill>
+          <a:prstDash val="solid"/>
+          <a:miter lim="800000"/>
+        </a:ln>
+      </a:lnStyleLst>
+      <a:effectStyleLst>
+        <a:effectStyle>
+          <a:effectLst/>
+        </a:effectStyle>
+        <a:effectStyle>
+          <a:effectLst/>
+        </a:effectStyle>
+        <a:effectStyle>
+          <a:effectLst>
+            <a:outerShdw blurRad="57150" dist="19050" dir="5400000" algn="ctr" rotWithShape="0">
+              <a:srgbClr val="000000">
+                <a:alpha val="63000"/>
+              </a:srgbClr>
+            </a:outerShdw>
+          </a:effectLst>
+        </a:effectStyle>
+      </a:effectStyleLst>
+      <a:bgFillStyleLst>
+        <a:solidFill>
+          <a:schemeClr val="phClr"/>
+        </a:solidFill>
+        <a:solidFill>
+          <a:schemeClr val="phClr">
+            <a:tint val="95000"/>
+            <a:satMod val="170000"/>
+          </a:schemeClr>
+        </a:solidFill>
+        <a:gradFill rotWithShape="1">
+          <a:gsLst>
+            <a:gs pos="0">
+              <a:schemeClr val="phClr">
+                <a:tint val="93000"/>
+                <a:satMod val="150000"/>
+                <a:shade val="98000"/>
+                <a:lumMod val="102000"/>
+              </a:schemeClr>
+            </a:gs>
+            <a:gs pos="50000">
+              <a:schemeClr val="phClr">
+                <a:tint val="98000"/>
+                <a:satMod val="130000"/>
+                <a:shade val="90000"/>
+                <a:lumMod val="103000"/>
+              </a:schemeClr>
+            </a:gs>
+            <a:gs pos="100000">
+              <a:schemeClr val="phClr">
+                <a:shade val="63000"/>
+                <a:satMod val="120000"/>
+              </a:schemeClr>
+            </a:gs>
+          </a:gsLst>
+          <a:lin ang="5400000" scaled="0"/>
+        </a:gradFill>
+      </a:bgFillStyleLst>
+    </a:fmtScheme>
+  </a:themeElements>
+  <a:objectDefaults/>
+  <a:extraClrSchemeLst/>
+  <a:extLst>
+    <a:ext uri="{05A4C25C-085E-4340-85A3-A5531E510DB2}">
+      <thm15:themeFamily xmlns:thm15="http://schemas.microsoft.com/office/thememl/2012/main" name="Office Theme" id="{62F939B6-93AF-4DB8-9C6B-D6C7DFDC589F}" vid="{4A3C46E8-61CC-4603-A589-7422A47A8E4A}"/>
+    </a:ext>
+  </a:extLst>
+</a:theme>
 </file>